--- a/第一次OJ分享.pptx
+++ b/第一次OJ分享.pptx
@@ -4,6 +4,9 @@
   <p:sldMasterIdLst>
     <p:sldMasterId id="2147483648" r:id="rId1"/>
   </p:sldMasterIdLst>
+  <p:notesMasterIdLst>
+    <p:notesMasterId r:id="rId19"/>
+  </p:notesMasterIdLst>
   <p:sldIdLst>
     <p:sldId id="256" r:id="rId2"/>
     <p:sldId id="257" r:id="rId3"/>
@@ -19,7 +22,9 @@
     <p:sldId id="269" r:id="rId13"/>
     <p:sldId id="260" r:id="rId14"/>
     <p:sldId id="270" r:id="rId15"/>
-    <p:sldId id="261" r:id="rId16"/>
+    <p:sldId id="271" r:id="rId16"/>
+    <p:sldId id="272" r:id="rId17"/>
+    <p:sldId id="261" r:id="rId18"/>
   </p:sldIdLst>
   <p:sldSz cx="12192000" cy="6858000"/>
   <p:notesSz cx="6858000" cy="9144000"/>
@@ -135,6 +140,414 @@
     </p:ext>
   </p:extLst>
 </p:presentation>
+</file>
+
+<file path=ppt/notesMasters/notesMaster1.xml><?xml version="1.0" encoding="utf-8"?>
+<p:notesMaster xmlns:a="http://schemas.openxmlformats.org/drawingml/2006/main" xmlns:r="http://schemas.openxmlformats.org/officeDocument/2006/relationships" xmlns:p="http://schemas.openxmlformats.org/presentationml/2006/main">
+  <p:cSld>
+    <p:bg>
+      <p:bgRef idx="1001">
+        <a:schemeClr val="bg1"/>
+      </p:bgRef>
+    </p:bg>
+    <p:spTree>
+      <p:nvGrpSpPr>
+        <p:cNvPr id="1" name=""/>
+        <p:cNvGrpSpPr/>
+        <p:nvPr/>
+      </p:nvGrpSpPr>
+      <p:grpSpPr>
+        <a:xfrm>
+          <a:off x="0" y="0"/>
+          <a:ext cx="0" cy="0"/>
+          <a:chOff x="0" y="0"/>
+          <a:chExt cx="0" cy="0"/>
+        </a:xfrm>
+      </p:grpSpPr>
+      <p:sp>
+        <p:nvSpPr>
+          <p:cNvPr id="2" name="页眉占位符 1"/>
+          <p:cNvSpPr>
+            <a:spLocks noGrp="1"/>
+          </p:cNvSpPr>
+          <p:nvPr>
+            <p:ph type="hdr" sz="quarter"/>
+          </p:nvPr>
+        </p:nvSpPr>
+        <p:spPr>
+          <a:xfrm>
+            <a:off x="0" y="0"/>
+            <a:ext cx="2971800" cy="458788"/>
+          </a:xfrm>
+          <a:prstGeom prst="rect">
+            <a:avLst/>
+          </a:prstGeom>
+        </p:spPr>
+        <p:txBody>
+          <a:bodyPr vert="horz" lIns="91440" tIns="45720" rIns="91440" bIns="45720" rtlCol="0"/>
+          <a:lstStyle>
+            <a:lvl1pPr algn="l">
+              <a:defRPr sz="1200"/>
+            </a:lvl1pPr>
+          </a:lstStyle>
+          <a:p>
+            <a:endParaRPr kumimoji="1" lang="zh-CN" altLang="en-US"/>
+          </a:p>
+        </p:txBody>
+      </p:sp>
+      <p:sp>
+        <p:nvSpPr>
+          <p:cNvPr id="3" name="日期占位符 2"/>
+          <p:cNvSpPr>
+            <a:spLocks noGrp="1"/>
+          </p:cNvSpPr>
+          <p:nvPr>
+            <p:ph type="dt" idx="1"/>
+          </p:nvPr>
+        </p:nvSpPr>
+        <p:spPr>
+          <a:xfrm>
+            <a:off x="3884613" y="0"/>
+            <a:ext cx="2971800" cy="458788"/>
+          </a:xfrm>
+          <a:prstGeom prst="rect">
+            <a:avLst/>
+          </a:prstGeom>
+        </p:spPr>
+        <p:txBody>
+          <a:bodyPr vert="horz" lIns="91440" tIns="45720" rIns="91440" bIns="45720" rtlCol="0"/>
+          <a:lstStyle>
+            <a:lvl1pPr algn="r">
+              <a:defRPr sz="1200"/>
+            </a:lvl1pPr>
+          </a:lstStyle>
+          <a:p>
+            <a:fld id="{794F42CA-0CF2-5340-BC19-9677FD32E5A9}" type="datetimeFigureOut">
+              <a:rPr kumimoji="1" lang="zh-CN" altLang="en-US" smtClean="0"/>
+              <a:t>2019/7/31</a:t>
+            </a:fld>
+            <a:endParaRPr kumimoji="1" lang="zh-CN" altLang="en-US"/>
+          </a:p>
+        </p:txBody>
+      </p:sp>
+      <p:sp>
+        <p:nvSpPr>
+          <p:cNvPr id="4" name="幻灯片图像占位符 3"/>
+          <p:cNvSpPr>
+            <a:spLocks noGrp="1" noRot="1" noChangeAspect="1"/>
+          </p:cNvSpPr>
+          <p:nvPr>
+            <p:ph type="sldImg" idx="2"/>
+          </p:nvPr>
+        </p:nvSpPr>
+        <p:spPr>
+          <a:xfrm>
+            <a:off x="685800" y="1143000"/>
+            <a:ext cx="5486400" cy="3086100"/>
+          </a:xfrm>
+          <a:prstGeom prst="rect">
+            <a:avLst/>
+          </a:prstGeom>
+          <a:noFill/>
+          <a:ln w="12700">
+            <a:solidFill>
+              <a:prstClr val="black"/>
+            </a:solidFill>
+          </a:ln>
+        </p:spPr>
+        <p:txBody>
+          <a:bodyPr vert="horz" lIns="91440" tIns="45720" rIns="91440" bIns="45720" rtlCol="0" anchor="ctr"/>
+          <a:lstStyle/>
+          <a:p>
+            <a:endParaRPr lang="zh-CN" altLang="en-US"/>
+          </a:p>
+        </p:txBody>
+      </p:sp>
+      <p:sp>
+        <p:nvSpPr>
+          <p:cNvPr id="5" name="备注占位符 4"/>
+          <p:cNvSpPr>
+            <a:spLocks noGrp="1"/>
+          </p:cNvSpPr>
+          <p:nvPr>
+            <p:ph type="body" sz="quarter" idx="3"/>
+          </p:nvPr>
+        </p:nvSpPr>
+        <p:spPr>
+          <a:xfrm>
+            <a:off x="685800" y="4400550"/>
+            <a:ext cx="5486400" cy="3600450"/>
+          </a:xfrm>
+          <a:prstGeom prst="rect">
+            <a:avLst/>
+          </a:prstGeom>
+        </p:spPr>
+        <p:txBody>
+          <a:bodyPr vert="horz" lIns="91440" tIns="45720" rIns="91440" bIns="45720" rtlCol="0"/>
+          <a:lstStyle/>
+          <a:p>
+            <a:r>
+              <a:rPr kumimoji="1" lang="zh-CN" altLang="en-US"/>
+              <a:t>编辑母版文本样式
+第二级
+第三级
+第四级
+第五级</a:t>
+            </a:r>
+          </a:p>
+        </p:txBody>
+      </p:sp>
+      <p:sp>
+        <p:nvSpPr>
+          <p:cNvPr id="6" name="页脚占位符 5"/>
+          <p:cNvSpPr>
+            <a:spLocks noGrp="1"/>
+          </p:cNvSpPr>
+          <p:nvPr>
+            <p:ph type="ftr" sz="quarter" idx="4"/>
+          </p:nvPr>
+        </p:nvSpPr>
+        <p:spPr>
+          <a:xfrm>
+            <a:off x="0" y="8685213"/>
+            <a:ext cx="2971800" cy="458787"/>
+          </a:xfrm>
+          <a:prstGeom prst="rect">
+            <a:avLst/>
+          </a:prstGeom>
+        </p:spPr>
+        <p:txBody>
+          <a:bodyPr vert="horz" lIns="91440" tIns="45720" rIns="91440" bIns="45720" rtlCol="0" anchor="b"/>
+          <a:lstStyle>
+            <a:lvl1pPr algn="l">
+              <a:defRPr sz="1200"/>
+            </a:lvl1pPr>
+          </a:lstStyle>
+          <a:p>
+            <a:endParaRPr kumimoji="1" lang="zh-CN" altLang="en-US"/>
+          </a:p>
+        </p:txBody>
+      </p:sp>
+      <p:sp>
+        <p:nvSpPr>
+          <p:cNvPr id="7" name="灯片编号占位符 6"/>
+          <p:cNvSpPr>
+            <a:spLocks noGrp="1"/>
+          </p:cNvSpPr>
+          <p:nvPr>
+            <p:ph type="sldNum" sz="quarter" idx="5"/>
+          </p:nvPr>
+        </p:nvSpPr>
+        <p:spPr>
+          <a:xfrm>
+            <a:off x="3884613" y="8685213"/>
+            <a:ext cx="2971800" cy="458787"/>
+          </a:xfrm>
+          <a:prstGeom prst="rect">
+            <a:avLst/>
+          </a:prstGeom>
+        </p:spPr>
+        <p:txBody>
+          <a:bodyPr vert="horz" lIns="91440" tIns="45720" rIns="91440" bIns="45720" rtlCol="0" anchor="b"/>
+          <a:lstStyle>
+            <a:lvl1pPr algn="r">
+              <a:defRPr sz="1200"/>
+            </a:lvl1pPr>
+          </a:lstStyle>
+          <a:p>
+            <a:fld id="{D13B2215-93F7-9940-B9B8-E639E6D346D9}" type="slidenum">
+              <a:rPr kumimoji="1" lang="zh-CN" altLang="en-US" smtClean="0"/>
+              <a:t>‹#›</a:t>
+            </a:fld>
+            <a:endParaRPr kumimoji="1" lang="zh-CN" altLang="en-US"/>
+          </a:p>
+        </p:txBody>
+      </p:sp>
+    </p:spTree>
+    <p:extLst>
+      <p:ext uri="{BB962C8B-B14F-4D97-AF65-F5344CB8AC3E}">
+        <p14:creationId xmlns:p14="http://schemas.microsoft.com/office/powerpoint/2010/main" val="3812442691"/>
+      </p:ext>
+    </p:extLst>
+  </p:cSld>
+  <p:clrMap bg1="lt1" tx1="dk1" bg2="lt2" tx2="dk2" accent1="accent1" accent2="accent2" accent3="accent3" accent4="accent4" accent5="accent5" accent6="accent6" hlink="hlink" folHlink="folHlink"/>
+  <p:notesStyle>
+    <a:lvl1pPr marL="0" algn="l" defTabSz="914400" rtl="0" eaLnBrk="1" latinLnBrk="0" hangingPunct="1">
+      <a:defRPr sz="1200" kern="1200">
+        <a:solidFill>
+          <a:schemeClr val="tx1"/>
+        </a:solidFill>
+        <a:latin typeface="+mn-lt"/>
+        <a:ea typeface="+mn-ea"/>
+        <a:cs typeface="+mn-cs"/>
+      </a:defRPr>
+    </a:lvl1pPr>
+    <a:lvl2pPr marL="457200" algn="l" defTabSz="914400" rtl="0" eaLnBrk="1" latinLnBrk="0" hangingPunct="1">
+      <a:defRPr sz="1200" kern="1200">
+        <a:solidFill>
+          <a:schemeClr val="tx1"/>
+        </a:solidFill>
+        <a:latin typeface="+mn-lt"/>
+        <a:ea typeface="+mn-ea"/>
+        <a:cs typeface="+mn-cs"/>
+      </a:defRPr>
+    </a:lvl2pPr>
+    <a:lvl3pPr marL="914400" algn="l" defTabSz="914400" rtl="0" eaLnBrk="1" latinLnBrk="0" hangingPunct="1">
+      <a:defRPr sz="1200" kern="1200">
+        <a:solidFill>
+          <a:schemeClr val="tx1"/>
+        </a:solidFill>
+        <a:latin typeface="+mn-lt"/>
+        <a:ea typeface="+mn-ea"/>
+        <a:cs typeface="+mn-cs"/>
+      </a:defRPr>
+    </a:lvl3pPr>
+    <a:lvl4pPr marL="1371600" algn="l" defTabSz="914400" rtl="0" eaLnBrk="1" latinLnBrk="0" hangingPunct="1">
+      <a:defRPr sz="1200" kern="1200">
+        <a:solidFill>
+          <a:schemeClr val="tx1"/>
+        </a:solidFill>
+        <a:latin typeface="+mn-lt"/>
+        <a:ea typeface="+mn-ea"/>
+        <a:cs typeface="+mn-cs"/>
+      </a:defRPr>
+    </a:lvl4pPr>
+    <a:lvl5pPr marL="1828800" algn="l" defTabSz="914400" rtl="0" eaLnBrk="1" latinLnBrk="0" hangingPunct="1">
+      <a:defRPr sz="1200" kern="1200">
+        <a:solidFill>
+          <a:schemeClr val="tx1"/>
+        </a:solidFill>
+        <a:latin typeface="+mn-lt"/>
+        <a:ea typeface="+mn-ea"/>
+        <a:cs typeface="+mn-cs"/>
+      </a:defRPr>
+    </a:lvl5pPr>
+    <a:lvl6pPr marL="2286000" algn="l" defTabSz="914400" rtl="0" eaLnBrk="1" latinLnBrk="0" hangingPunct="1">
+      <a:defRPr sz="1200" kern="1200">
+        <a:solidFill>
+          <a:schemeClr val="tx1"/>
+        </a:solidFill>
+        <a:latin typeface="+mn-lt"/>
+        <a:ea typeface="+mn-ea"/>
+        <a:cs typeface="+mn-cs"/>
+      </a:defRPr>
+    </a:lvl6pPr>
+    <a:lvl7pPr marL="2743200" algn="l" defTabSz="914400" rtl="0" eaLnBrk="1" latinLnBrk="0" hangingPunct="1">
+      <a:defRPr sz="1200" kern="1200">
+        <a:solidFill>
+          <a:schemeClr val="tx1"/>
+        </a:solidFill>
+        <a:latin typeface="+mn-lt"/>
+        <a:ea typeface="+mn-ea"/>
+        <a:cs typeface="+mn-cs"/>
+      </a:defRPr>
+    </a:lvl7pPr>
+    <a:lvl8pPr marL="3200400" algn="l" defTabSz="914400" rtl="0" eaLnBrk="1" latinLnBrk="0" hangingPunct="1">
+      <a:defRPr sz="1200" kern="1200">
+        <a:solidFill>
+          <a:schemeClr val="tx1"/>
+        </a:solidFill>
+        <a:latin typeface="+mn-lt"/>
+        <a:ea typeface="+mn-ea"/>
+        <a:cs typeface="+mn-cs"/>
+      </a:defRPr>
+    </a:lvl8pPr>
+    <a:lvl9pPr marL="3657600" algn="l" defTabSz="914400" rtl="0" eaLnBrk="1" latinLnBrk="0" hangingPunct="1">
+      <a:defRPr sz="1200" kern="1200">
+        <a:solidFill>
+          <a:schemeClr val="tx1"/>
+        </a:solidFill>
+        <a:latin typeface="+mn-lt"/>
+        <a:ea typeface="+mn-ea"/>
+        <a:cs typeface="+mn-cs"/>
+      </a:defRPr>
+    </a:lvl9pPr>
+  </p:notesStyle>
+</p:notesMaster>
+</file>
+
+<file path=ppt/notesSlides/notesSlide1.xml><?xml version="1.0" encoding="utf-8"?>
+<p:notes xmlns:a="http://schemas.openxmlformats.org/drawingml/2006/main" xmlns:r="http://schemas.openxmlformats.org/officeDocument/2006/relationships" xmlns:p="http://schemas.openxmlformats.org/presentationml/2006/main">
+  <p:cSld>
+    <p:spTree>
+      <p:nvGrpSpPr>
+        <p:cNvPr id="1" name=""/>
+        <p:cNvGrpSpPr/>
+        <p:nvPr/>
+      </p:nvGrpSpPr>
+      <p:grpSpPr>
+        <a:xfrm>
+          <a:off x="0" y="0"/>
+          <a:ext cx="0" cy="0"/>
+          <a:chOff x="0" y="0"/>
+          <a:chExt cx="0" cy="0"/>
+        </a:xfrm>
+      </p:grpSpPr>
+      <p:sp>
+        <p:nvSpPr>
+          <p:cNvPr id="2" name="幻灯片图像占位符 1"/>
+          <p:cNvSpPr>
+            <a:spLocks noGrp="1" noRot="1" noChangeAspect="1"/>
+          </p:cNvSpPr>
+          <p:nvPr>
+            <p:ph type="sldImg"/>
+          </p:nvPr>
+        </p:nvSpPr>
+        <p:spPr/>
+      </p:sp>
+      <p:sp>
+        <p:nvSpPr>
+          <p:cNvPr id="3" name="备注占位符 2"/>
+          <p:cNvSpPr>
+            <a:spLocks noGrp="1"/>
+          </p:cNvSpPr>
+          <p:nvPr>
+            <p:ph type="body" idx="1"/>
+          </p:nvPr>
+        </p:nvSpPr>
+        <p:spPr/>
+        <p:txBody>
+          <a:bodyPr/>
+          <a:lstStyle/>
+          <a:p>
+            <a:endParaRPr kumimoji="1" lang="zh-CN" altLang="en-US" dirty="0"/>
+          </a:p>
+        </p:txBody>
+      </p:sp>
+      <p:sp>
+        <p:nvSpPr>
+          <p:cNvPr id="4" name="灯片编号占位符 3"/>
+          <p:cNvSpPr>
+            <a:spLocks noGrp="1"/>
+          </p:cNvSpPr>
+          <p:nvPr>
+            <p:ph type="sldNum" sz="quarter" idx="5"/>
+          </p:nvPr>
+        </p:nvSpPr>
+        <p:spPr/>
+        <p:txBody>
+          <a:bodyPr/>
+          <a:lstStyle/>
+          <a:p>
+            <a:fld id="{D13B2215-93F7-9940-B9B8-E639E6D346D9}" type="slidenum">
+              <a:rPr kumimoji="1" lang="zh-CN" altLang="en-US" smtClean="0"/>
+              <a:t>15</a:t>
+            </a:fld>
+            <a:endParaRPr kumimoji="1" lang="zh-CN" altLang="en-US"/>
+          </a:p>
+        </p:txBody>
+      </p:sp>
+    </p:spTree>
+    <p:extLst>
+      <p:ext uri="{BB962C8B-B14F-4D97-AF65-F5344CB8AC3E}">
+        <p14:creationId xmlns:p14="http://schemas.microsoft.com/office/powerpoint/2010/main" val="533209061"/>
+      </p:ext>
+    </p:extLst>
+  </p:cSld>
+  <p:clrMapOvr>
+    <a:masterClrMapping/>
+  </p:clrMapOvr>
+</p:notes>
 </file>
 
 <file path=ppt/slideLayouts/slideLayout1.xml><?xml version="1.0" encoding="utf-8"?>
@@ -3286,11 +3699,11 @@
   <p:clrMapOvr>
     <a:masterClrMapping/>
   </p:clrMapOvr>
-  <mc:AlternateContent xmlns:mc="http://schemas.openxmlformats.org/markup-compatibility/2006">
-    <mc:Choice xmlns:p14="http://schemas.microsoft.com/office/powerpoint/2010/main" Requires="p14">
+  <mc:AlternateContent xmlns:mc="http://schemas.openxmlformats.org/markup-compatibility/2006" xmlns:p14="http://schemas.microsoft.com/office/powerpoint/2010/main">
+    <mc:Choice Requires="p14">
       <p:transition spd="slow" p14:dur="2000" advTm="1081"/>
     </mc:Choice>
-    <mc:Fallback>
+    <mc:Fallback xmlns="">
       <p:transition spd="slow" advTm="1081"/>
     </mc:Fallback>
   </mc:AlternateContent>
@@ -3530,11 +3943,11 @@
   <p:clrMapOvr>
     <a:masterClrMapping/>
   </p:clrMapOvr>
-  <mc:AlternateContent xmlns:mc="http://schemas.openxmlformats.org/markup-compatibility/2006">
-    <mc:Choice xmlns:p14="http://schemas.microsoft.com/office/powerpoint/2010/main" Requires="p14">
+  <mc:AlternateContent xmlns:mc="http://schemas.openxmlformats.org/markup-compatibility/2006" xmlns:p14="http://schemas.microsoft.com/office/powerpoint/2010/main">
+    <mc:Choice Requires="p14">
       <p:transition spd="slow" p14:dur="2000" advTm="1199"/>
     </mc:Choice>
-    <mc:Fallback>
+    <mc:Fallback xmlns="">
       <p:transition spd="slow" advTm="1199"/>
     </mc:Fallback>
   </mc:AlternateContent>
@@ -3724,11 +4137,11 @@
   <p:clrMapOvr>
     <a:masterClrMapping/>
   </p:clrMapOvr>
-  <mc:AlternateContent xmlns:mc="http://schemas.openxmlformats.org/markup-compatibility/2006">
-    <mc:Choice xmlns:p14="http://schemas.microsoft.com/office/powerpoint/2010/main" Requires="p14">
+  <mc:AlternateContent xmlns:mc="http://schemas.openxmlformats.org/markup-compatibility/2006" xmlns:p14="http://schemas.microsoft.com/office/powerpoint/2010/main">
+    <mc:Choice Requires="p14">
       <p:transition spd="slow" p14:dur="2000" advTm="625"/>
     </mc:Choice>
-    <mc:Fallback>
+    <mc:Fallback xmlns="">
       <p:transition spd="slow" advTm="625"/>
     </mc:Fallback>
   </mc:AlternateContent>
@@ -3891,11 +4304,11 @@
   <p:clrMapOvr>
     <a:masterClrMapping/>
   </p:clrMapOvr>
-  <mc:AlternateContent xmlns:mc="http://schemas.openxmlformats.org/markup-compatibility/2006">
-    <mc:Choice xmlns:p14="http://schemas.microsoft.com/office/powerpoint/2010/main" Requires="p14">
+  <mc:AlternateContent xmlns:mc="http://schemas.openxmlformats.org/markup-compatibility/2006" xmlns:p14="http://schemas.microsoft.com/office/powerpoint/2010/main">
+    <mc:Choice Requires="p14">
       <p:transition spd="slow" p14:dur="2000" advTm="275"/>
     </mc:Choice>
-    <mc:Fallback>
+    <mc:Fallback xmlns="">
       <p:transition spd="slow" advTm="275"/>
     </mc:Fallback>
   </mc:AlternateContent>
@@ -4211,11 +4624,11 @@
   <p:clrMapOvr>
     <a:masterClrMapping/>
   </p:clrMapOvr>
-  <mc:AlternateContent xmlns:mc="http://schemas.openxmlformats.org/markup-compatibility/2006">
-    <mc:Choice xmlns:p14="http://schemas.microsoft.com/office/powerpoint/2010/main" Requires="p14">
+  <mc:AlternateContent xmlns:mc="http://schemas.openxmlformats.org/markup-compatibility/2006" xmlns:p14="http://schemas.microsoft.com/office/powerpoint/2010/main">
+    <mc:Choice Requires="p14">
       <p:transition spd="slow" p14:dur="2000" advTm="169"/>
     </mc:Choice>
-    <mc:Fallback>
+    <mc:Fallback xmlns="">
       <p:transition spd="slow" advTm="169"/>
     </mc:Fallback>
   </mc:AlternateContent>
@@ -4283,10 +4696,10 @@
       </p:sp>
       <p:sp>
         <p:nvSpPr>
-          <p:cNvPr id="3" name="文本框 2">
-            <a:extLst>
-              <a:ext uri="{FF2B5EF4-FFF2-40B4-BE49-F238E27FC236}">
-                <a16:creationId xmlns:a16="http://schemas.microsoft.com/office/drawing/2014/main" id="{3784C771-4EE7-AF43-8EFB-474078B1F0FF}"/>
+          <p:cNvPr id="4" name="文本框 3">
+            <a:extLst>
+              <a:ext uri="{FF2B5EF4-FFF2-40B4-BE49-F238E27FC236}">
+                <a16:creationId xmlns:a16="http://schemas.microsoft.com/office/drawing/2014/main" id="{C1101999-9950-024D-A4F2-9C528741D30F}"/>
               </a:ext>
             </a:extLst>
           </p:cNvPr>
@@ -4295,8 +4708,8 @@
         </p:nvSpPr>
         <p:spPr>
           <a:xfrm>
-            <a:off x="822853" y="1773116"/>
-            <a:ext cx="2339102" cy="1569660"/>
+            <a:off x="1111659" y="1692699"/>
+            <a:ext cx="9895658" cy="1569660"/>
           </a:xfrm>
           <a:prstGeom prst="rect">
             <a:avLst/>
@@ -4314,11 +4727,18 @@
               <a:buChar char="•"/>
             </a:pPr>
             <a:r>
+              <a:rPr kumimoji="1" lang="en-US" altLang="zh-CN" sz="3200" spc="100" dirty="0">
+                <a:latin typeface="Microsoft YaHei" panose="020B0503020204020204" pitchFamily="34" charset="-122"/>
+                <a:ea typeface="Microsoft YaHei" panose="020B0503020204020204" pitchFamily="34" charset="-122"/>
+              </a:rPr>
+              <a:t>100,000</a:t>
+            </a:r>
+            <a:r>
               <a:rPr kumimoji="1" lang="zh-CN" altLang="en-US" sz="3200" spc="100" dirty="0">
                 <a:latin typeface="Microsoft YaHei" panose="020B0503020204020204" pitchFamily="34" charset="-122"/>
                 <a:ea typeface="Microsoft YaHei" panose="020B0503020204020204" pitchFamily="34" charset="-122"/>
               </a:rPr>
-              <a:t>测试用例</a:t>
+              <a:t>的数组使用选择排序进行排序需要多久？</a:t>
             </a:r>
             <a:endParaRPr kumimoji="1" lang="en-US" altLang="zh-CN" sz="3200" spc="100" dirty="0">
               <a:latin typeface="Microsoft YaHei" panose="020B0503020204020204" pitchFamily="34" charset="-122"/>
@@ -4345,12 +4765,15 @@
                 <a:latin typeface="Microsoft YaHei" panose="020B0503020204020204" pitchFamily="34" charset="-122"/>
                 <a:ea typeface="Microsoft YaHei" panose="020B0503020204020204" pitchFamily="34" charset="-122"/>
               </a:rPr>
-              <a:t>讨论</a:t>
-            </a:r>
-            <a:endParaRPr kumimoji="1" lang="en-US" altLang="zh-CN" sz="3200" spc="100" dirty="0">
-              <a:latin typeface="Microsoft YaHei" panose="020B0503020204020204" pitchFamily="34" charset="-122"/>
-              <a:ea typeface="Microsoft YaHei" panose="020B0503020204020204" pitchFamily="34" charset="-122"/>
-            </a:endParaRPr>
+              <a:t>选择排序</a:t>
+            </a:r>
+            <a:r>
+              <a:rPr kumimoji="1" lang="en-US" altLang="zh-CN" sz="3200" spc="100" dirty="0">
+                <a:latin typeface="Microsoft YaHei" panose="020B0503020204020204" pitchFamily="34" charset="-122"/>
+                <a:ea typeface="Microsoft YaHei" panose="020B0503020204020204" pitchFamily="34" charset="-122"/>
+              </a:rPr>
+              <a:t>O(n^2)</a:t>
+            </a:r>
           </a:p>
         </p:txBody>
       </p:sp>
@@ -4364,11 +4787,11 @@
   <p:clrMapOvr>
     <a:masterClrMapping/>
   </p:clrMapOvr>
-  <mc:AlternateContent xmlns:mc="http://schemas.openxmlformats.org/markup-compatibility/2006">
-    <mc:Choice xmlns:p14="http://schemas.microsoft.com/office/powerpoint/2010/main" Requires="p14">
+  <mc:AlternateContent xmlns:mc="http://schemas.openxmlformats.org/markup-compatibility/2006" xmlns:p14="http://schemas.microsoft.com/office/powerpoint/2010/main">
+    <mc:Choice Requires="p14">
       <p:transition spd="slow" p14:dur="2000" advTm="201"/>
     </mc:Choice>
-    <mc:Fallback>
+    <mc:Fallback xmlns="">
       <p:transition spd="slow" advTm="201"/>
     </mc:Fallback>
   </mc:AlternateContent>
@@ -4376,6 +4799,435 @@
 </file>
 
 <file path=ppt/slides/slide15.xml><?xml version="1.0" encoding="utf-8"?>
+<p:sld xmlns:a="http://schemas.openxmlformats.org/drawingml/2006/main" xmlns:r="http://schemas.openxmlformats.org/officeDocument/2006/relationships" xmlns:p="http://schemas.openxmlformats.org/presentationml/2006/main">
+  <p:cSld>
+    <p:spTree>
+      <p:nvGrpSpPr>
+        <p:cNvPr id="1" name=""/>
+        <p:cNvGrpSpPr/>
+        <p:nvPr/>
+      </p:nvGrpSpPr>
+      <p:grpSpPr>
+        <a:xfrm>
+          <a:off x="0" y="0"/>
+          <a:ext cx="0" cy="0"/>
+          <a:chOff x="0" y="0"/>
+          <a:chExt cx="0" cy="0"/>
+        </a:xfrm>
+      </p:grpSpPr>
+      <p:sp>
+        <p:nvSpPr>
+          <p:cNvPr id="2" name="文本框 1">
+            <a:extLst>
+              <a:ext uri="{FF2B5EF4-FFF2-40B4-BE49-F238E27FC236}">
+                <a16:creationId xmlns:a16="http://schemas.microsoft.com/office/drawing/2014/main" id="{5398C295-94BD-1248-A837-30EECA61E065}"/>
+              </a:ext>
+            </a:extLst>
+          </p:cNvPr>
+          <p:cNvSpPr txBox="1"/>
+          <p:nvPr/>
+        </p:nvSpPr>
+        <p:spPr>
+          <a:xfrm>
+            <a:off x="585183" y="345956"/>
+            <a:ext cx="6419774" cy="830997"/>
+          </a:xfrm>
+          <a:prstGeom prst="rect">
+            <a:avLst/>
+          </a:prstGeom>
+          <a:noFill/>
+        </p:spPr>
+        <p:txBody>
+          <a:bodyPr wrap="square" rtlCol="0">
+            <a:spAutoFit/>
+          </a:bodyPr>
+          <a:lstStyle/>
+          <a:p>
+            <a:r>
+              <a:rPr kumimoji="1" lang="zh-CN" altLang="en-US" sz="4800" spc="100" dirty="0">
+                <a:latin typeface="SimHei" panose="02010609060101010101" pitchFamily="49" charset="-122"/>
+                <a:ea typeface="SimHei" panose="02010609060101010101" pitchFamily="49" charset="-122"/>
+              </a:rPr>
+              <a:t>数据规模与复杂度</a:t>
+            </a:r>
+            <a:endParaRPr kumimoji="1" lang="en-US" altLang="zh-CN" sz="4800" spc="100" dirty="0">
+              <a:latin typeface="SimHei" panose="02010609060101010101" pitchFamily="49" charset="-122"/>
+              <a:ea typeface="SimHei" panose="02010609060101010101" pitchFamily="49" charset="-122"/>
+            </a:endParaRPr>
+          </a:p>
+        </p:txBody>
+      </p:sp>
+      <p:sp>
+        <p:nvSpPr>
+          <p:cNvPr id="4" name="文本框 3">
+            <a:extLst>
+              <a:ext uri="{FF2B5EF4-FFF2-40B4-BE49-F238E27FC236}">
+                <a16:creationId xmlns:a16="http://schemas.microsoft.com/office/drawing/2014/main" id="{C1101999-9950-024D-A4F2-9C528741D30F}"/>
+              </a:ext>
+            </a:extLst>
+          </p:cNvPr>
+          <p:cNvSpPr txBox="1"/>
+          <p:nvPr/>
+        </p:nvSpPr>
+        <p:spPr>
+          <a:xfrm>
+            <a:off x="1111659" y="1692699"/>
+            <a:ext cx="2339102" cy="2554545"/>
+          </a:xfrm>
+          <a:prstGeom prst="rect">
+            <a:avLst/>
+          </a:prstGeom>
+          <a:noFill/>
+        </p:spPr>
+        <p:txBody>
+          <a:bodyPr wrap="none" rtlCol="0">
+            <a:spAutoFit/>
+          </a:bodyPr>
+          <a:lstStyle/>
+          <a:p>
+            <a:pPr marL="457200" indent="-457200">
+              <a:buFont typeface="Arial" panose="020B0604020202020204" pitchFamily="34" charset="0"/>
+              <a:buChar char="•"/>
+            </a:pPr>
+            <a:r>
+              <a:rPr kumimoji="1" lang="zh-CN" altLang="en-US" sz="3200" spc="100" dirty="0">
+                <a:latin typeface="Microsoft YaHei" panose="020B0503020204020204" pitchFamily="34" charset="-122"/>
+                <a:ea typeface="Microsoft YaHei" panose="020B0503020204020204" pitchFamily="34" charset="-122"/>
+              </a:rPr>
+              <a:t>数据规模</a:t>
+            </a:r>
+            <a:endParaRPr kumimoji="1" lang="en-US" altLang="zh-CN" sz="3200" spc="100" dirty="0">
+              <a:latin typeface="Microsoft YaHei" panose="020B0503020204020204" pitchFamily="34" charset="-122"/>
+              <a:ea typeface="Microsoft YaHei" panose="020B0503020204020204" pitchFamily="34" charset="-122"/>
+            </a:endParaRPr>
+          </a:p>
+          <a:p>
+            <a:pPr marL="457200" indent="-457200">
+              <a:buFont typeface="Arial" panose="020B0604020202020204" pitchFamily="34" charset="0"/>
+              <a:buChar char="•"/>
+            </a:pPr>
+            <a:endParaRPr kumimoji="1" lang="en-US" altLang="zh-CN" sz="3200" spc="100" dirty="0">
+              <a:latin typeface="Microsoft YaHei" panose="020B0503020204020204" pitchFamily="34" charset="-122"/>
+              <a:ea typeface="Microsoft YaHei" panose="020B0503020204020204" pitchFamily="34" charset="-122"/>
+            </a:endParaRPr>
+          </a:p>
+          <a:p>
+            <a:pPr marL="457200" indent="-457200">
+              <a:buFont typeface="Arial" panose="020B0604020202020204" pitchFamily="34" charset="0"/>
+              <a:buChar char="•"/>
+            </a:pPr>
+            <a:r>
+              <a:rPr kumimoji="1" lang="zh-CN" altLang="en-US" sz="3200" spc="100" dirty="0">
+                <a:latin typeface="Microsoft YaHei" panose="020B0503020204020204" pitchFamily="34" charset="-122"/>
+                <a:ea typeface="Microsoft YaHei" panose="020B0503020204020204" pitchFamily="34" charset="-122"/>
+              </a:rPr>
+              <a:t>时间限制</a:t>
+            </a:r>
+            <a:endParaRPr kumimoji="1" lang="en-US" altLang="zh-CN" sz="3200" spc="100" dirty="0">
+              <a:latin typeface="Microsoft YaHei" panose="020B0503020204020204" pitchFamily="34" charset="-122"/>
+              <a:ea typeface="Microsoft YaHei" panose="020B0503020204020204" pitchFamily="34" charset="-122"/>
+            </a:endParaRPr>
+          </a:p>
+          <a:p>
+            <a:pPr marL="457200" indent="-457200">
+              <a:buFont typeface="Arial" panose="020B0604020202020204" pitchFamily="34" charset="0"/>
+              <a:buChar char="•"/>
+            </a:pPr>
+            <a:endParaRPr kumimoji="1" lang="en-US" altLang="zh-CN" sz="3200" spc="100" dirty="0">
+              <a:latin typeface="Microsoft YaHei" panose="020B0503020204020204" pitchFamily="34" charset="-122"/>
+              <a:ea typeface="Microsoft YaHei" panose="020B0503020204020204" pitchFamily="34" charset="-122"/>
+            </a:endParaRPr>
+          </a:p>
+          <a:p>
+            <a:pPr marL="457200" indent="-457200">
+              <a:buFont typeface="Arial" panose="020B0604020202020204" pitchFamily="34" charset="0"/>
+              <a:buChar char="•"/>
+            </a:pPr>
+            <a:r>
+              <a:rPr kumimoji="1" lang="zh-CN" altLang="en-US" sz="3200" spc="100" dirty="0">
+                <a:latin typeface="Microsoft YaHei" panose="020B0503020204020204" pitchFamily="34" charset="-122"/>
+                <a:ea typeface="Microsoft YaHei" panose="020B0503020204020204" pitchFamily="34" charset="-122"/>
+              </a:rPr>
+              <a:t>空间限制</a:t>
+            </a:r>
+            <a:endParaRPr kumimoji="1" lang="en-US" altLang="zh-CN" sz="3200" spc="100" dirty="0">
+              <a:latin typeface="Microsoft YaHei" panose="020B0503020204020204" pitchFamily="34" charset="-122"/>
+              <a:ea typeface="Microsoft YaHei" panose="020B0503020204020204" pitchFamily="34" charset="-122"/>
+            </a:endParaRPr>
+          </a:p>
+        </p:txBody>
+      </p:sp>
+      <p:sp>
+        <p:nvSpPr>
+          <p:cNvPr id="5" name="文本框 4">
+            <a:extLst>
+              <a:ext uri="{FF2B5EF4-FFF2-40B4-BE49-F238E27FC236}">
+                <a16:creationId xmlns:a16="http://schemas.microsoft.com/office/drawing/2014/main" id="{90F51F65-2755-4444-BB3D-FB4276FF7CF5}"/>
+              </a:ext>
+            </a:extLst>
+          </p:cNvPr>
+          <p:cNvSpPr txBox="1"/>
+          <p:nvPr/>
+        </p:nvSpPr>
+        <p:spPr>
+          <a:xfrm>
+            <a:off x="6648858" y="2677583"/>
+            <a:ext cx="2723823" cy="584775"/>
+          </a:xfrm>
+          <a:prstGeom prst="rect">
+            <a:avLst/>
+          </a:prstGeom>
+          <a:noFill/>
+        </p:spPr>
+        <p:txBody>
+          <a:bodyPr wrap="none" rtlCol="0">
+            <a:spAutoFit/>
+          </a:bodyPr>
+          <a:lstStyle/>
+          <a:p>
+            <a:r>
+              <a:rPr kumimoji="1" lang="zh-CN" altLang="en-US" sz="3200" spc="100" dirty="0">
+                <a:latin typeface="Microsoft YaHei" panose="020B0503020204020204" pitchFamily="34" charset="-122"/>
+                <a:ea typeface="Microsoft YaHei" panose="020B0503020204020204" pitchFamily="34" charset="-122"/>
+              </a:rPr>
+              <a:t>算法的复杂度</a:t>
+            </a:r>
+            <a:endParaRPr kumimoji="1" lang="en-US" altLang="zh-CN" sz="3200" spc="100" dirty="0">
+              <a:latin typeface="Microsoft YaHei" panose="020B0503020204020204" pitchFamily="34" charset="-122"/>
+              <a:ea typeface="Microsoft YaHei" panose="020B0503020204020204" pitchFamily="34" charset="-122"/>
+            </a:endParaRPr>
+          </a:p>
+        </p:txBody>
+      </p:sp>
+      <p:cxnSp>
+        <p:nvCxnSpPr>
+          <p:cNvPr id="8" name="直线箭头连接符 7">
+            <a:extLst>
+              <a:ext uri="{FF2B5EF4-FFF2-40B4-BE49-F238E27FC236}">
+                <a16:creationId xmlns:a16="http://schemas.microsoft.com/office/drawing/2014/main" id="{8FDA5301-548B-424D-841E-B9507C7BDF09}"/>
+              </a:ext>
+            </a:extLst>
+          </p:cNvPr>
+          <p:cNvCxnSpPr>
+            <a:cxnSpLocks/>
+          </p:cNvCxnSpPr>
+          <p:nvPr/>
+        </p:nvCxnSpPr>
+        <p:spPr>
+          <a:xfrm>
+            <a:off x="4107543" y="2969970"/>
+            <a:ext cx="1951945" cy="0"/>
+          </a:xfrm>
+          <a:prstGeom prst="straightConnector1">
+            <a:avLst/>
+          </a:prstGeom>
+          <a:ln w="19050">
+            <a:solidFill>
+              <a:schemeClr val="tx1"/>
+            </a:solidFill>
+            <a:tailEnd type="triangle"/>
+          </a:ln>
+        </p:spPr>
+        <p:style>
+          <a:lnRef idx="1">
+            <a:schemeClr val="dk1"/>
+          </a:lnRef>
+          <a:fillRef idx="0">
+            <a:schemeClr val="dk1"/>
+          </a:fillRef>
+          <a:effectRef idx="0">
+            <a:schemeClr val="dk1"/>
+          </a:effectRef>
+          <a:fontRef idx="minor">
+            <a:schemeClr val="tx1"/>
+          </a:fontRef>
+        </p:style>
+      </p:cxnSp>
+    </p:spTree>
+    <p:extLst>
+      <p:ext uri="{BB962C8B-B14F-4D97-AF65-F5344CB8AC3E}">
+        <p14:creationId xmlns:p14="http://schemas.microsoft.com/office/powerpoint/2010/main" val="515137600"/>
+      </p:ext>
+    </p:extLst>
+  </p:cSld>
+  <p:clrMapOvr>
+    <a:masterClrMapping/>
+  </p:clrMapOvr>
+  <mc:AlternateContent xmlns:mc="http://schemas.openxmlformats.org/markup-compatibility/2006" xmlns:p14="http://schemas.microsoft.com/office/powerpoint/2010/main">
+    <mc:Choice Requires="p14">
+      <p:transition spd="slow" p14:dur="2000" advTm="201"/>
+    </mc:Choice>
+    <mc:Fallback xmlns="">
+      <p:transition spd="slow" advTm="201"/>
+    </mc:Fallback>
+  </mc:AlternateContent>
+</p:sld>
+</file>
+
+<file path=ppt/slides/slide16.xml><?xml version="1.0" encoding="utf-8"?>
+<p:sld xmlns:a="http://schemas.openxmlformats.org/drawingml/2006/main" xmlns:r="http://schemas.openxmlformats.org/officeDocument/2006/relationships" xmlns:p="http://schemas.openxmlformats.org/presentationml/2006/main">
+  <p:cSld>
+    <p:spTree>
+      <p:nvGrpSpPr>
+        <p:cNvPr id="1" name=""/>
+        <p:cNvGrpSpPr/>
+        <p:nvPr/>
+      </p:nvGrpSpPr>
+      <p:grpSpPr>
+        <a:xfrm>
+          <a:off x="0" y="0"/>
+          <a:ext cx="0" cy="0"/>
+          <a:chOff x="0" y="0"/>
+          <a:chExt cx="0" cy="0"/>
+        </a:xfrm>
+      </p:grpSpPr>
+      <p:sp>
+        <p:nvSpPr>
+          <p:cNvPr id="2" name="文本框 1">
+            <a:extLst>
+              <a:ext uri="{FF2B5EF4-FFF2-40B4-BE49-F238E27FC236}">
+                <a16:creationId xmlns:a16="http://schemas.microsoft.com/office/drawing/2014/main" id="{5398C295-94BD-1248-A837-30EECA61E065}"/>
+              </a:ext>
+            </a:extLst>
+          </p:cNvPr>
+          <p:cNvSpPr txBox="1"/>
+          <p:nvPr/>
+        </p:nvSpPr>
+        <p:spPr>
+          <a:xfrm>
+            <a:off x="585183" y="345956"/>
+            <a:ext cx="6419774" cy="830997"/>
+          </a:xfrm>
+          <a:prstGeom prst="rect">
+            <a:avLst/>
+          </a:prstGeom>
+          <a:noFill/>
+        </p:spPr>
+        <p:txBody>
+          <a:bodyPr wrap="square" rtlCol="0">
+            <a:spAutoFit/>
+          </a:bodyPr>
+          <a:lstStyle/>
+          <a:p>
+            <a:r>
+              <a:rPr kumimoji="1" lang="zh-CN" altLang="en-US" sz="4800" spc="100" dirty="0">
+                <a:latin typeface="SimHei" panose="02010609060101010101" pitchFamily="49" charset="-122"/>
+                <a:ea typeface="SimHei" panose="02010609060101010101" pitchFamily="49" charset="-122"/>
+              </a:rPr>
+              <a:t>数据规模与复杂度</a:t>
+            </a:r>
+            <a:endParaRPr kumimoji="1" lang="en-US" altLang="zh-CN" sz="4800" spc="100" dirty="0">
+              <a:latin typeface="SimHei" panose="02010609060101010101" pitchFamily="49" charset="-122"/>
+              <a:ea typeface="SimHei" panose="02010609060101010101" pitchFamily="49" charset="-122"/>
+            </a:endParaRPr>
+          </a:p>
+        </p:txBody>
+      </p:sp>
+      <p:sp>
+        <p:nvSpPr>
+          <p:cNvPr id="4" name="文本框 3">
+            <a:extLst>
+              <a:ext uri="{FF2B5EF4-FFF2-40B4-BE49-F238E27FC236}">
+                <a16:creationId xmlns:a16="http://schemas.microsoft.com/office/drawing/2014/main" id="{C1101999-9950-024D-A4F2-9C528741D30F}"/>
+              </a:ext>
+            </a:extLst>
+          </p:cNvPr>
+          <p:cNvSpPr txBox="1"/>
+          <p:nvPr/>
+        </p:nvSpPr>
+        <p:spPr>
+          <a:xfrm>
+            <a:off x="1111659" y="1692699"/>
+            <a:ext cx="9895658" cy="1569660"/>
+          </a:xfrm>
+          <a:prstGeom prst="rect">
+            <a:avLst/>
+          </a:prstGeom>
+          <a:noFill/>
+        </p:spPr>
+        <p:txBody>
+          <a:bodyPr wrap="none" rtlCol="0">
+            <a:spAutoFit/>
+          </a:bodyPr>
+          <a:lstStyle/>
+          <a:p>
+            <a:pPr marL="457200" indent="-457200">
+              <a:buFont typeface="Arial" panose="020B0604020202020204" pitchFamily="34" charset="0"/>
+              <a:buChar char="•"/>
+            </a:pPr>
+            <a:r>
+              <a:rPr kumimoji="1" lang="en-US" altLang="zh-CN" sz="3200" spc="100" dirty="0">
+                <a:latin typeface="Microsoft YaHei" panose="020B0503020204020204" pitchFamily="34" charset="-122"/>
+                <a:ea typeface="Microsoft YaHei" panose="020B0503020204020204" pitchFamily="34" charset="-122"/>
+              </a:rPr>
+              <a:t>100,000</a:t>
+            </a:r>
+            <a:r>
+              <a:rPr kumimoji="1" lang="zh-CN" altLang="en-US" sz="3200" spc="100" dirty="0">
+                <a:latin typeface="Microsoft YaHei" panose="020B0503020204020204" pitchFamily="34" charset="-122"/>
+                <a:ea typeface="Microsoft YaHei" panose="020B0503020204020204" pitchFamily="34" charset="-122"/>
+              </a:rPr>
+              <a:t>的数组使用选择排序进行排序需要多久？</a:t>
+            </a:r>
+            <a:endParaRPr kumimoji="1" lang="en-US" altLang="zh-CN" sz="3200" spc="100" dirty="0">
+              <a:latin typeface="Microsoft YaHei" panose="020B0503020204020204" pitchFamily="34" charset="-122"/>
+              <a:ea typeface="Microsoft YaHei" panose="020B0503020204020204" pitchFamily="34" charset="-122"/>
+            </a:endParaRPr>
+          </a:p>
+          <a:p>
+            <a:pPr marL="457200" indent="-457200">
+              <a:buFont typeface="Arial" panose="020B0604020202020204" pitchFamily="34" charset="0"/>
+              <a:buChar char="•"/>
+            </a:pPr>
+            <a:endParaRPr kumimoji="1" lang="en-US" altLang="zh-CN" sz="3200" spc="100" dirty="0">
+              <a:latin typeface="Microsoft YaHei" panose="020B0503020204020204" pitchFamily="34" charset="-122"/>
+              <a:ea typeface="Microsoft YaHei" panose="020B0503020204020204" pitchFamily="34" charset="-122"/>
+            </a:endParaRPr>
+          </a:p>
+          <a:p>
+            <a:pPr marL="457200" indent="-457200">
+              <a:buFont typeface="Arial" panose="020B0604020202020204" pitchFamily="34" charset="0"/>
+              <a:buChar char="•"/>
+            </a:pPr>
+            <a:r>
+              <a:rPr kumimoji="1" lang="zh-CN" altLang="en-US" sz="3200" spc="100" dirty="0">
+                <a:latin typeface="Microsoft YaHei" panose="020B0503020204020204" pitchFamily="34" charset="-122"/>
+                <a:ea typeface="Microsoft YaHei" panose="020B0503020204020204" pitchFamily="34" charset="-122"/>
+              </a:rPr>
+              <a:t>选择排序</a:t>
+            </a:r>
+            <a:r>
+              <a:rPr kumimoji="1" lang="en-US" altLang="zh-CN" sz="3200" spc="100" dirty="0">
+                <a:latin typeface="Microsoft YaHei" panose="020B0503020204020204" pitchFamily="34" charset="-122"/>
+                <a:ea typeface="Microsoft YaHei" panose="020B0503020204020204" pitchFamily="34" charset="-122"/>
+              </a:rPr>
+              <a:t>O(n^2)</a:t>
+            </a:r>
+          </a:p>
+        </p:txBody>
+      </p:sp>
+    </p:spTree>
+    <p:extLst>
+      <p:ext uri="{BB962C8B-B14F-4D97-AF65-F5344CB8AC3E}">
+        <p14:creationId xmlns:p14="http://schemas.microsoft.com/office/powerpoint/2010/main" val="4038828940"/>
+      </p:ext>
+    </p:extLst>
+  </p:cSld>
+  <p:clrMapOvr>
+    <a:masterClrMapping/>
+  </p:clrMapOvr>
+  <mc:AlternateContent xmlns:mc="http://schemas.openxmlformats.org/markup-compatibility/2006" xmlns:p14="http://schemas.microsoft.com/office/powerpoint/2010/main">
+    <mc:Choice Requires="p14">
+      <p:transition spd="slow" p14:dur="2000" advTm="201"/>
+    </mc:Choice>
+    <mc:Fallback xmlns="">
+      <p:transition spd="slow" advTm="201"/>
+    </mc:Fallback>
+  </mc:AlternateContent>
+</p:sld>
+</file>
+
+<file path=ppt/slides/slide17.xml><?xml version="1.0" encoding="utf-8"?>
 <p:sld xmlns:a="http://schemas.openxmlformats.org/drawingml/2006/main" xmlns:r="http://schemas.openxmlformats.org/officeDocument/2006/relationships" xmlns:p="http://schemas.openxmlformats.org/presentationml/2006/main">
   <p:cSld>
     <p:spTree>
@@ -4689,11 +5541,11 @@
   <p:clrMapOvr>
     <a:masterClrMapping/>
   </p:clrMapOvr>
-  <mc:AlternateContent xmlns:mc="http://schemas.openxmlformats.org/markup-compatibility/2006">
-    <mc:Choice xmlns:p14="http://schemas.microsoft.com/office/powerpoint/2010/main" Requires="p14">
+  <mc:AlternateContent xmlns:mc="http://schemas.openxmlformats.org/markup-compatibility/2006" xmlns:p14="http://schemas.microsoft.com/office/powerpoint/2010/main">
+    <mc:Choice Requires="p14">
       <p:transition spd="slow" p14:dur="2000" advTm="192"/>
     </mc:Choice>
-    <mc:Fallback>
+    <mc:Fallback xmlns="">
       <p:transition spd="slow" advTm="192"/>
     </mc:Fallback>
   </mc:AlternateContent>
@@ -4969,11 +5821,11 @@
   <p:clrMapOvr>
     <a:masterClrMapping/>
   </p:clrMapOvr>
-  <mc:AlternateContent xmlns:mc="http://schemas.openxmlformats.org/markup-compatibility/2006">
-    <mc:Choice xmlns:p14="http://schemas.microsoft.com/office/powerpoint/2010/main" Requires="p14">
+  <mc:AlternateContent xmlns:mc="http://schemas.openxmlformats.org/markup-compatibility/2006" xmlns:p14="http://schemas.microsoft.com/office/powerpoint/2010/main">
+    <mc:Choice Requires="p14">
       <p:transition spd="slow" p14:dur="2000" advTm="585"/>
     </mc:Choice>
-    <mc:Fallback>
+    <mc:Fallback xmlns="">
       <p:transition spd="slow" advTm="585"/>
     </mc:Fallback>
   </mc:AlternateContent>
@@ -5289,11 +6141,11 @@
   <p:clrMapOvr>
     <a:masterClrMapping/>
   </p:clrMapOvr>
-  <mc:AlternateContent xmlns:mc="http://schemas.openxmlformats.org/markup-compatibility/2006">
-    <mc:Choice xmlns:p14="http://schemas.microsoft.com/office/powerpoint/2010/main" Requires="p14">
+  <mc:AlternateContent xmlns:mc="http://schemas.openxmlformats.org/markup-compatibility/2006" xmlns:p14="http://schemas.microsoft.com/office/powerpoint/2010/main">
+    <mc:Choice Requires="p14">
       <p:transition spd="slow" p14:dur="2000" advTm="598"/>
     </mc:Choice>
-    <mc:Fallback>
+    <mc:Fallback xmlns="">
       <p:transition spd="slow" advTm="598"/>
     </mc:Fallback>
   </mc:AlternateContent>
@@ -5441,11 +6293,11 @@
   <p:clrMapOvr>
     <a:masterClrMapping/>
   </p:clrMapOvr>
-  <mc:AlternateContent xmlns:mc="http://schemas.openxmlformats.org/markup-compatibility/2006">
-    <mc:Choice xmlns:p14="http://schemas.microsoft.com/office/powerpoint/2010/main" Requires="p14">
+  <mc:AlternateContent xmlns:mc="http://schemas.openxmlformats.org/markup-compatibility/2006" xmlns:p14="http://schemas.microsoft.com/office/powerpoint/2010/main">
+    <mc:Choice Requires="p14">
       <p:transition spd="slow" p14:dur="2000" advTm="508"/>
     </mc:Choice>
-    <mc:Fallback>
+    <mc:Fallback xmlns="">
       <p:transition spd="slow" advTm="508"/>
     </mc:Fallback>
   </mc:AlternateContent>
@@ -5593,11 +6445,11 @@
   <p:clrMapOvr>
     <a:masterClrMapping/>
   </p:clrMapOvr>
-  <mc:AlternateContent xmlns:mc="http://schemas.openxmlformats.org/markup-compatibility/2006">
-    <mc:Choice xmlns:p14="http://schemas.microsoft.com/office/powerpoint/2010/main" Requires="p14">
+  <mc:AlternateContent xmlns:mc="http://schemas.openxmlformats.org/markup-compatibility/2006" xmlns:p14="http://schemas.microsoft.com/office/powerpoint/2010/main">
+    <mc:Choice Requires="p14">
       <p:transition spd="slow" p14:dur="2000" advTm="932"/>
     </mc:Choice>
-    <mc:Fallback>
+    <mc:Fallback xmlns="">
       <p:transition spd="slow" advTm="932"/>
     </mc:Fallback>
   </mc:AlternateContent>
@@ -5745,11 +6597,11 @@
   <p:clrMapOvr>
     <a:masterClrMapping/>
   </p:clrMapOvr>
-  <mc:AlternateContent xmlns:mc="http://schemas.openxmlformats.org/markup-compatibility/2006">
-    <mc:Choice xmlns:p14="http://schemas.microsoft.com/office/powerpoint/2010/main" Requires="p14">
+  <mc:AlternateContent xmlns:mc="http://schemas.openxmlformats.org/markup-compatibility/2006" xmlns:p14="http://schemas.microsoft.com/office/powerpoint/2010/main">
+    <mc:Choice Requires="p14">
       <p:transition spd="slow" p14:dur="2000" advTm="663"/>
     </mc:Choice>
-    <mc:Fallback>
+    <mc:Fallback xmlns="">
       <p:transition spd="slow" advTm="663"/>
     </mc:Fallback>
   </mc:AlternateContent>
@@ -6065,11 +6917,11 @@
   <p:clrMapOvr>
     <a:masterClrMapping/>
   </p:clrMapOvr>
-  <mc:AlternateContent xmlns:mc="http://schemas.openxmlformats.org/markup-compatibility/2006">
-    <mc:Choice xmlns:p14="http://schemas.microsoft.com/office/powerpoint/2010/main" Requires="p14">
+  <mc:AlternateContent xmlns:mc="http://schemas.openxmlformats.org/markup-compatibility/2006" xmlns:p14="http://schemas.microsoft.com/office/powerpoint/2010/main">
+    <mc:Choice Requires="p14">
       <p:transition spd="slow" p14:dur="2000" advTm="1215"/>
     </mc:Choice>
-    <mc:Fallback>
+    <mc:Fallback xmlns="">
       <p:transition spd="slow" advTm="1215"/>
     </mc:Fallback>
   </mc:AlternateContent>
@@ -6268,11 +7120,11 @@
   <p:clrMapOvr>
     <a:masterClrMapping/>
   </p:clrMapOvr>
-  <mc:AlternateContent xmlns:mc="http://schemas.openxmlformats.org/markup-compatibility/2006">
-    <mc:Choice xmlns:p14="http://schemas.microsoft.com/office/powerpoint/2010/main" Requires="p14">
+  <mc:AlternateContent xmlns:mc="http://schemas.openxmlformats.org/markup-compatibility/2006" xmlns:p14="http://schemas.microsoft.com/office/powerpoint/2010/main">
+    <mc:Choice Requires="p14">
       <p:transition spd="slow" p14:dur="2000" advTm="835"/>
     </mc:Choice>
-    <mc:Fallback>
+    <mc:Fallback xmlns="">
       <p:transition spd="slow" advTm="835"/>
     </mc:Fallback>
   </mc:AlternateContent>
@@ -6485,11 +7337,11 @@
   <p:clrMapOvr>
     <a:masterClrMapping/>
   </p:clrMapOvr>
-  <mc:AlternateContent xmlns:mc="http://schemas.openxmlformats.org/markup-compatibility/2006">
-    <mc:Choice xmlns:p14="http://schemas.microsoft.com/office/powerpoint/2010/main" Requires="p14">
+  <mc:AlternateContent xmlns:mc="http://schemas.openxmlformats.org/markup-compatibility/2006" xmlns:p14="http://schemas.microsoft.com/office/powerpoint/2010/main">
+    <mc:Choice Requires="p14">
       <p:transition spd="slow" p14:dur="2000" advTm="750"/>
     </mc:Choice>
-    <mc:Fallback>
+    <mc:Fallback xmlns="">
       <p:transition spd="slow" advTm="750"/>
     </mc:Fallback>
   </mc:AlternateContent>
@@ -6789,4 +7641,299 @@
     </a:ext>
   </a:extLst>
 </a:theme>
+</file>
+
+<file path=ppt/theme/theme2.xml><?xml version="1.0" encoding="utf-8"?>
+<a:theme xmlns:a="http://schemas.openxmlformats.org/drawingml/2006/main" name="Office 主题​​">
+  <a:themeElements>
+    <a:clrScheme name="Office">
+      <a:dk1>
+        <a:sysClr val="windowText" lastClr="000000"/>
+      </a:dk1>
+      <a:lt1>
+        <a:sysClr val="window" lastClr="FFFFFF"/>
+      </a:lt1>
+      <a:dk2>
+        <a:srgbClr val="44546A"/>
+      </a:dk2>
+      <a:lt2>
+        <a:srgbClr val="E7E6E6"/>
+      </a:lt2>
+      <a:accent1>
+        <a:srgbClr val="4472C4"/>
+      </a:accent1>
+      <a:accent2>
+        <a:srgbClr val="ED7D31"/>
+      </a:accent2>
+      <a:accent3>
+        <a:srgbClr val="A5A5A5"/>
+      </a:accent3>
+      <a:accent4>
+        <a:srgbClr val="FFC000"/>
+      </a:accent4>
+      <a:accent5>
+        <a:srgbClr val="5B9BD5"/>
+      </a:accent5>
+      <a:accent6>
+        <a:srgbClr val="70AD47"/>
+      </a:accent6>
+      <a:hlink>
+        <a:srgbClr val="0563C1"/>
+      </a:hlink>
+      <a:folHlink>
+        <a:srgbClr val="954F72"/>
+      </a:folHlink>
+    </a:clrScheme>
+    <a:fontScheme name="Office">
+      <a:majorFont>
+        <a:latin typeface="等线 Light" panose="020F0302020204030204"/>
+        <a:ea typeface=""/>
+        <a:cs typeface=""/>
+        <a:font script="Jpan" typeface="游ゴシック Light"/>
+        <a:font script="Hang" typeface="맑은 고딕"/>
+        <a:font script="Hans" typeface="等线 Light"/>
+        <a:font script="Hant" typeface="新細明體"/>
+        <a:font script="Arab" typeface="Times New Roman"/>
+        <a:font script="Hebr" typeface="Times New Roman"/>
+        <a:font script="Thai" typeface="Angsana New"/>
+        <a:font script="Ethi" typeface="Nyala"/>
+        <a:font script="Beng" typeface="Vrinda"/>
+        <a:font script="Gujr" typeface="Shruti"/>
+        <a:font script="Khmr" typeface="MoolBoran"/>
+        <a:font script="Knda" typeface="Tunga"/>
+        <a:font script="Guru" typeface="Raavi"/>
+        <a:font script="Cans" typeface="Euphemia"/>
+        <a:font script="Cher" typeface="Plantagenet Cherokee"/>
+        <a:font script="Yiii" typeface="Microsoft Yi Baiti"/>
+        <a:font script="Tibt" typeface="Microsoft Himalaya"/>
+        <a:font script="Thaa" typeface="MV Boli"/>
+        <a:font script="Deva" typeface="Mangal"/>
+        <a:font script="Telu" typeface="Gautami"/>
+        <a:font script="Taml" typeface="Latha"/>
+        <a:font script="Syrc" typeface="Estrangelo Edessa"/>
+        <a:font script="Orya" typeface="Kalinga"/>
+        <a:font script="Mlym" typeface="Kartika"/>
+        <a:font script="Laoo" typeface="DokChampa"/>
+        <a:font script="Sinh" typeface="Iskoola Pota"/>
+        <a:font script="Mong" typeface="Mongolian Baiti"/>
+        <a:font script="Viet" typeface="Times New Roman"/>
+        <a:font script="Uigh" typeface="Microsoft Uighur"/>
+        <a:font script="Geor" typeface="Sylfaen"/>
+        <a:font script="Armn" typeface="Arial"/>
+        <a:font script="Bugi" typeface="Leelawadee UI"/>
+        <a:font script="Bopo" typeface="Microsoft JhengHei"/>
+        <a:font script="Java" typeface="Javanese Text"/>
+        <a:font script="Lisu" typeface="Segoe UI"/>
+        <a:font script="Mymr" typeface="Myanmar Text"/>
+        <a:font script="Nkoo" typeface="Ebrima"/>
+        <a:font script="Olck" typeface="Nirmala UI"/>
+        <a:font script="Osma" typeface="Ebrima"/>
+        <a:font script="Phag" typeface="Phagspa"/>
+        <a:font script="Syrn" typeface="Estrangelo Edessa"/>
+        <a:font script="Syrj" typeface="Estrangelo Edessa"/>
+        <a:font script="Syre" typeface="Estrangelo Edessa"/>
+        <a:font script="Sora" typeface="Nirmala UI"/>
+        <a:font script="Tale" typeface="Microsoft Tai Le"/>
+        <a:font script="Talu" typeface="Microsoft New Tai Lue"/>
+        <a:font script="Tfng" typeface="Ebrima"/>
+      </a:majorFont>
+      <a:minorFont>
+        <a:latin typeface="等线" panose="020F0502020204030204"/>
+        <a:ea typeface=""/>
+        <a:cs typeface=""/>
+        <a:font script="Jpan" typeface="游ゴシック"/>
+        <a:font script="Hang" typeface="맑은 고딕"/>
+        <a:font script="Hans" typeface="等线"/>
+        <a:font script="Hant" typeface="新細明體"/>
+        <a:font script="Arab" typeface="Arial"/>
+        <a:font script="Hebr" typeface="Arial"/>
+        <a:font script="Thai" typeface="Cordia New"/>
+        <a:font script="Ethi" typeface="Nyala"/>
+        <a:font script="Beng" typeface="Vrinda"/>
+        <a:font script="Gujr" typeface="Shruti"/>
+        <a:font script="Khmr" typeface="DaunPenh"/>
+        <a:font script="Knda" typeface="Tunga"/>
+        <a:font script="Guru" typeface="Raavi"/>
+        <a:font script="Cans" typeface="Euphemia"/>
+        <a:font script="Cher" typeface="Plantagenet Cherokee"/>
+        <a:font script="Yiii" typeface="Microsoft Yi Baiti"/>
+        <a:font script="Tibt" typeface="Microsoft Himalaya"/>
+        <a:font script="Thaa" typeface="MV Boli"/>
+        <a:font script="Deva" typeface="Mangal"/>
+        <a:font script="Telu" typeface="Gautami"/>
+        <a:font script="Taml" typeface="Latha"/>
+        <a:font script="Syrc" typeface="Estrangelo Edessa"/>
+        <a:font script="Orya" typeface="Kalinga"/>
+        <a:font script="Mlym" typeface="Kartika"/>
+        <a:font script="Laoo" typeface="DokChampa"/>
+        <a:font script="Sinh" typeface="Iskoola Pota"/>
+        <a:font script="Mong" typeface="Mongolian Baiti"/>
+        <a:font script="Viet" typeface="Arial"/>
+        <a:font script="Uigh" typeface="Microsoft Uighur"/>
+        <a:font script="Geor" typeface="Sylfaen"/>
+        <a:font script="Armn" typeface="Arial"/>
+        <a:font script="Bugi" typeface="Leelawadee UI"/>
+        <a:font script="Bopo" typeface="Microsoft JhengHei"/>
+        <a:font script="Java" typeface="Javanese Text"/>
+        <a:font script="Lisu" typeface="Segoe UI"/>
+        <a:font script="Mymr" typeface="Myanmar Text"/>
+        <a:font script="Nkoo" typeface="Ebrima"/>
+        <a:font script="Olck" typeface="Nirmala UI"/>
+        <a:font script="Osma" typeface="Ebrima"/>
+        <a:font script="Phag" typeface="Phagspa"/>
+        <a:font script="Syrn" typeface="Estrangelo Edessa"/>
+        <a:font script="Syrj" typeface="Estrangelo Edessa"/>
+        <a:font script="Syre" typeface="Estrangelo Edessa"/>
+        <a:font script="Sora" typeface="Nirmala UI"/>
+        <a:font script="Tale" typeface="Microsoft Tai Le"/>
+        <a:font script="Talu" typeface="Microsoft New Tai Lue"/>
+        <a:font script="Tfng" typeface="Ebrima"/>
+      </a:minorFont>
+    </a:fontScheme>
+    <a:fmtScheme name="Office">
+      <a:fillStyleLst>
+        <a:solidFill>
+          <a:schemeClr val="phClr"/>
+        </a:solidFill>
+        <a:gradFill rotWithShape="1">
+          <a:gsLst>
+            <a:gs pos="0">
+              <a:schemeClr val="phClr">
+                <a:lumMod val="110000"/>
+                <a:satMod val="105000"/>
+                <a:tint val="67000"/>
+              </a:schemeClr>
+            </a:gs>
+            <a:gs pos="50000">
+              <a:schemeClr val="phClr">
+                <a:lumMod val="105000"/>
+                <a:satMod val="103000"/>
+                <a:tint val="73000"/>
+              </a:schemeClr>
+            </a:gs>
+            <a:gs pos="100000">
+              <a:schemeClr val="phClr">
+                <a:lumMod val="105000"/>
+                <a:satMod val="109000"/>
+                <a:tint val="81000"/>
+              </a:schemeClr>
+            </a:gs>
+          </a:gsLst>
+          <a:lin ang="5400000" scaled="0"/>
+        </a:gradFill>
+        <a:gradFill rotWithShape="1">
+          <a:gsLst>
+            <a:gs pos="0">
+              <a:schemeClr val="phClr">
+                <a:satMod val="103000"/>
+                <a:lumMod val="102000"/>
+                <a:tint val="94000"/>
+              </a:schemeClr>
+            </a:gs>
+            <a:gs pos="50000">
+              <a:schemeClr val="phClr">
+                <a:satMod val="110000"/>
+                <a:lumMod val="100000"/>
+                <a:shade val="100000"/>
+              </a:schemeClr>
+            </a:gs>
+            <a:gs pos="100000">
+              <a:schemeClr val="phClr">
+                <a:lumMod val="99000"/>
+                <a:satMod val="120000"/>
+                <a:shade val="78000"/>
+              </a:schemeClr>
+            </a:gs>
+          </a:gsLst>
+          <a:lin ang="5400000" scaled="0"/>
+        </a:gradFill>
+      </a:fillStyleLst>
+      <a:lnStyleLst>
+        <a:ln w="6350" cap="flat" cmpd="sng" algn="ctr">
+          <a:solidFill>
+            <a:schemeClr val="phClr"/>
+          </a:solidFill>
+          <a:prstDash val="solid"/>
+          <a:miter lim="800000"/>
+        </a:ln>
+        <a:ln w="12700" cap="flat" cmpd="sng" algn="ctr">
+          <a:solidFill>
+            <a:schemeClr val="phClr"/>
+          </a:solidFill>
+          <a:prstDash val="solid"/>
+          <a:miter lim="800000"/>
+        </a:ln>
+        <a:ln w="19050" cap="flat" cmpd="sng" algn="ctr">
+          <a:solidFill>
+            <a:schemeClr val="phClr"/>
+          </a:solidFill>
+          <a:prstDash val="solid"/>
+          <a:miter lim="800000"/>
+        </a:ln>
+      </a:lnStyleLst>
+      <a:effectStyleLst>
+        <a:effectStyle>
+          <a:effectLst/>
+        </a:effectStyle>
+        <a:effectStyle>
+          <a:effectLst/>
+        </a:effectStyle>
+        <a:effectStyle>
+          <a:effectLst>
+            <a:outerShdw blurRad="57150" dist="19050" dir="5400000" algn="ctr" rotWithShape="0">
+              <a:srgbClr val="000000">
+                <a:alpha val="63000"/>
+              </a:srgbClr>
+            </a:outerShdw>
+          </a:effectLst>
+        </a:effectStyle>
+      </a:effectStyleLst>
+      <a:bgFillStyleLst>
+        <a:solidFill>
+          <a:schemeClr val="phClr"/>
+        </a:solidFill>
+        <a:solidFill>
+          <a:schemeClr val="phClr">
+            <a:tint val="95000"/>
+            <a:satMod val="170000"/>
+          </a:schemeClr>
+        </a:solidFill>
+        <a:gradFill rotWithShape="1">
+          <a:gsLst>
+            <a:gs pos="0">
+              <a:schemeClr val="phClr">
+                <a:tint val="93000"/>
+                <a:satMod val="150000"/>
+                <a:shade val="98000"/>
+                <a:lumMod val="102000"/>
+              </a:schemeClr>
+            </a:gs>
+            <a:gs pos="50000">
+              <a:schemeClr val="phClr">
+                <a:tint val="98000"/>
+                <a:satMod val="130000"/>
+                <a:shade val="90000"/>
+                <a:lumMod val="103000"/>
+              </a:schemeClr>
+            </a:gs>
+            <a:gs pos="100000">
+              <a:schemeClr val="phClr">
+                <a:shade val="63000"/>
+                <a:satMod val="120000"/>
+              </a:schemeClr>
+            </a:gs>
+          </a:gsLst>
+          <a:lin ang="5400000" scaled="0"/>
+        </a:gradFill>
+      </a:bgFillStyleLst>
+    </a:fmtScheme>
+  </a:themeElements>
+  <a:objectDefaults/>
+  <a:extraClrSchemeLst/>
+  <a:extLst>
+    <a:ext uri="{05A4C25C-085E-4340-85A3-A5531E510DB2}">
+      <thm15:themeFamily xmlns:thm15="http://schemas.microsoft.com/office/thememl/2012/main" name="Office Theme" id="{62F939B6-93AF-4DB8-9C6B-D6C7DFDC589F}" vid="{4A3C46E8-61CC-4603-A589-7422A47A8E4A}"/>
+    </a:ext>
+  </a:extLst>
+</a:theme>
 </file>
--- a/第一次OJ分享.pptx
+++ b/第一次OJ分享.pptx
@@ -5,7 +5,7 @@
     <p:sldMasterId id="2147483648" r:id="rId1"/>
   </p:sldMasterIdLst>
   <p:notesMasterIdLst>
-    <p:notesMasterId r:id="rId19"/>
+    <p:notesMasterId r:id="rId20"/>
   </p:notesMasterIdLst>
   <p:sldIdLst>
     <p:sldId id="256" r:id="rId2"/>
@@ -23,8 +23,9 @@
     <p:sldId id="260" r:id="rId14"/>
     <p:sldId id="270" r:id="rId15"/>
     <p:sldId id="271" r:id="rId16"/>
-    <p:sldId id="272" r:id="rId17"/>
-    <p:sldId id="261" r:id="rId18"/>
+    <p:sldId id="273" r:id="rId17"/>
+    <p:sldId id="272" r:id="rId18"/>
+    <p:sldId id="261" r:id="rId19"/>
   </p:sldIdLst>
   <p:sldSz cx="12192000" cy="6858000"/>
   <p:notesSz cx="6858000" cy="9144000"/>
@@ -224,7 +225,7 @@
           <a:p>
             <a:fld id="{794F42CA-0CF2-5340-BC19-9677FD32E5A9}" type="datetimeFigureOut">
               <a:rPr kumimoji="1" lang="zh-CN" altLang="en-US" smtClean="0"/>
-              <a:t>2019/7/31</a:t>
+              <a:t>2019/8/1</a:t>
             </a:fld>
             <a:endParaRPr kumimoji="1" lang="zh-CN" altLang="en-US"/>
           </a:p>
@@ -550,6 +551,90 @@
 </p:notes>
 </file>
 
+<file path=ppt/notesSlides/notesSlide2.xml><?xml version="1.0" encoding="utf-8"?>
+<p:notes xmlns:a="http://schemas.openxmlformats.org/drawingml/2006/main" xmlns:r="http://schemas.openxmlformats.org/officeDocument/2006/relationships" xmlns:p="http://schemas.openxmlformats.org/presentationml/2006/main">
+  <p:cSld>
+    <p:spTree>
+      <p:nvGrpSpPr>
+        <p:cNvPr id="1" name=""/>
+        <p:cNvGrpSpPr/>
+        <p:nvPr/>
+      </p:nvGrpSpPr>
+      <p:grpSpPr>
+        <a:xfrm>
+          <a:off x="0" y="0"/>
+          <a:ext cx="0" cy="0"/>
+          <a:chOff x="0" y="0"/>
+          <a:chExt cx="0" cy="0"/>
+        </a:xfrm>
+      </p:grpSpPr>
+      <p:sp>
+        <p:nvSpPr>
+          <p:cNvPr id="2" name="幻灯片图像占位符 1"/>
+          <p:cNvSpPr>
+            <a:spLocks noGrp="1" noRot="1" noChangeAspect="1"/>
+          </p:cNvSpPr>
+          <p:nvPr>
+            <p:ph type="sldImg"/>
+          </p:nvPr>
+        </p:nvSpPr>
+        <p:spPr/>
+      </p:sp>
+      <p:sp>
+        <p:nvSpPr>
+          <p:cNvPr id="3" name="备注占位符 2"/>
+          <p:cNvSpPr>
+            <a:spLocks noGrp="1"/>
+          </p:cNvSpPr>
+          <p:nvPr>
+            <p:ph type="body" idx="1"/>
+          </p:nvPr>
+        </p:nvSpPr>
+        <p:spPr/>
+        <p:txBody>
+          <a:bodyPr/>
+          <a:lstStyle/>
+          <a:p>
+            <a:endParaRPr kumimoji="1" lang="zh-CN" altLang="en-US" dirty="0"/>
+          </a:p>
+        </p:txBody>
+      </p:sp>
+      <p:sp>
+        <p:nvSpPr>
+          <p:cNvPr id="4" name="灯片编号占位符 3"/>
+          <p:cNvSpPr>
+            <a:spLocks noGrp="1"/>
+          </p:cNvSpPr>
+          <p:nvPr>
+            <p:ph type="sldNum" sz="quarter" idx="5"/>
+          </p:nvPr>
+        </p:nvSpPr>
+        <p:spPr/>
+        <p:txBody>
+          <a:bodyPr/>
+          <a:lstStyle/>
+          <a:p>
+            <a:fld id="{D13B2215-93F7-9940-B9B8-E639E6D346D9}" type="slidenum">
+              <a:rPr kumimoji="1" lang="zh-CN" altLang="en-US" smtClean="0"/>
+              <a:t>16</a:t>
+            </a:fld>
+            <a:endParaRPr kumimoji="1" lang="zh-CN" altLang="en-US"/>
+          </a:p>
+        </p:txBody>
+      </p:sp>
+    </p:spTree>
+    <p:extLst>
+      <p:ext uri="{BB962C8B-B14F-4D97-AF65-F5344CB8AC3E}">
+        <p14:creationId xmlns:p14="http://schemas.microsoft.com/office/powerpoint/2010/main" val="3602944125"/>
+      </p:ext>
+    </p:extLst>
+  </p:cSld>
+  <p:clrMapOvr>
+    <a:masterClrMapping/>
+  </p:clrMapOvr>
+</p:notes>
+</file>
+
 <file path=ppt/slideLayouts/slideLayout1.xml><?xml version="1.0" encoding="utf-8"?>
 <p:sldLayout xmlns:a="http://schemas.openxmlformats.org/drawingml/2006/main" xmlns:r="http://schemas.openxmlformats.org/officeDocument/2006/relationships" xmlns:p="http://schemas.openxmlformats.org/presentationml/2006/main" type="title" preserve="1">
   <p:cSld name="标题幻灯片">
@@ -697,7 +782,7 @@
           <a:p>
             <a:fld id="{C24D9D21-4670-7348-B4BA-274B463A2F3C}" type="datetimeFigureOut">
               <a:rPr kumimoji="1" lang="zh-CN" altLang="en-US" smtClean="0"/>
-              <a:t>2019/7/30</a:t>
+              <a:t>2019/8/1</a:t>
             </a:fld>
             <a:endParaRPr kumimoji="1" lang="zh-CN" altLang="en-US"/>
           </a:p>
@@ -870,7 +955,7 @@
           <a:p>
             <a:fld id="{C24D9D21-4670-7348-B4BA-274B463A2F3C}" type="datetimeFigureOut">
               <a:rPr kumimoji="1" lang="zh-CN" altLang="en-US" smtClean="0"/>
-              <a:t>2019/7/30</a:t>
+              <a:t>2019/8/1</a:t>
             </a:fld>
             <a:endParaRPr kumimoji="1" lang="zh-CN" altLang="en-US"/>
           </a:p>
@@ -1053,7 +1138,7 @@
           <a:p>
             <a:fld id="{C24D9D21-4670-7348-B4BA-274B463A2F3C}" type="datetimeFigureOut">
               <a:rPr kumimoji="1" lang="zh-CN" altLang="en-US" smtClean="0"/>
-              <a:t>2019/7/30</a:t>
+              <a:t>2019/8/1</a:t>
             </a:fld>
             <a:endParaRPr kumimoji="1" lang="zh-CN" altLang="en-US"/>
           </a:p>
@@ -1226,7 +1311,7 @@
           <a:p>
             <a:fld id="{C24D9D21-4670-7348-B4BA-274B463A2F3C}" type="datetimeFigureOut">
               <a:rPr kumimoji="1" lang="zh-CN" altLang="en-US" smtClean="0"/>
-              <a:t>2019/7/30</a:t>
+              <a:t>2019/8/1</a:t>
             </a:fld>
             <a:endParaRPr kumimoji="1" lang="zh-CN" altLang="en-US"/>
           </a:p>
@@ -1504,7 +1589,7 @@
           <a:p>
             <a:fld id="{C24D9D21-4670-7348-B4BA-274B463A2F3C}" type="datetimeFigureOut">
               <a:rPr kumimoji="1" lang="zh-CN" altLang="en-US" smtClean="0"/>
-              <a:t>2019/7/30</a:t>
+              <a:t>2019/8/1</a:t>
             </a:fld>
             <a:endParaRPr kumimoji="1" lang="zh-CN" altLang="en-US"/>
           </a:p>
@@ -1719,7 +1804,7 @@
           <a:p>
             <a:fld id="{C24D9D21-4670-7348-B4BA-274B463A2F3C}" type="datetimeFigureOut">
               <a:rPr kumimoji="1" lang="zh-CN" altLang="en-US" smtClean="0"/>
-              <a:t>2019/7/30</a:t>
+              <a:t>2019/8/1</a:t>
             </a:fld>
             <a:endParaRPr kumimoji="1" lang="zh-CN" altLang="en-US"/>
           </a:p>
@@ -2087,7 +2172,7 @@
           <a:p>
             <a:fld id="{C24D9D21-4670-7348-B4BA-274B463A2F3C}" type="datetimeFigureOut">
               <a:rPr kumimoji="1" lang="zh-CN" altLang="en-US" smtClean="0"/>
-              <a:t>2019/7/30</a:t>
+              <a:t>2019/8/1</a:t>
             </a:fld>
             <a:endParaRPr kumimoji="1" lang="zh-CN" altLang="en-US"/>
           </a:p>
@@ -2228,7 +2313,7 @@
           <a:p>
             <a:fld id="{C24D9D21-4670-7348-B4BA-274B463A2F3C}" type="datetimeFigureOut">
               <a:rPr kumimoji="1" lang="zh-CN" altLang="en-US" smtClean="0"/>
-              <a:t>2019/7/30</a:t>
+              <a:t>2019/8/1</a:t>
             </a:fld>
             <a:endParaRPr kumimoji="1" lang="zh-CN" altLang="en-US"/>
           </a:p>
@@ -2341,7 +2426,7 @@
           <a:p>
             <a:fld id="{C24D9D21-4670-7348-B4BA-274B463A2F3C}" type="datetimeFigureOut">
               <a:rPr kumimoji="1" lang="zh-CN" altLang="en-US" smtClean="0"/>
-              <a:t>2019/7/30</a:t>
+              <a:t>2019/8/1</a:t>
             </a:fld>
             <a:endParaRPr kumimoji="1" lang="zh-CN" altLang="en-US"/>
           </a:p>
@@ -2630,7 +2715,7 @@
           <a:p>
             <a:fld id="{C24D9D21-4670-7348-B4BA-274B463A2F3C}" type="datetimeFigureOut">
               <a:rPr kumimoji="1" lang="zh-CN" altLang="en-US" smtClean="0"/>
-              <a:t>2019/7/30</a:t>
+              <a:t>2019/8/1</a:t>
             </a:fld>
             <a:endParaRPr kumimoji="1" lang="zh-CN" altLang="en-US"/>
           </a:p>
@@ -2921,7 +3006,7 @@
           <a:p>
             <a:fld id="{C24D9D21-4670-7348-B4BA-274B463A2F3C}" type="datetimeFigureOut">
               <a:rPr kumimoji="1" lang="zh-CN" altLang="en-US" smtClean="0"/>
-              <a:t>2019/7/30</a:t>
+              <a:t>2019/8/1</a:t>
             </a:fld>
             <a:endParaRPr kumimoji="1" lang="zh-CN" altLang="en-US"/>
           </a:p>
@@ -3137,7 +3222,7 @@
           <a:p>
             <a:fld id="{C24D9D21-4670-7348-B4BA-274B463A2F3C}" type="datetimeFigureOut">
               <a:rPr kumimoji="1" lang="zh-CN" altLang="en-US" smtClean="0"/>
-              <a:t>2019/7/30</a:t>
+              <a:t>2019/8/1</a:t>
             </a:fld>
             <a:endParaRPr kumimoji="1" lang="zh-CN" altLang="en-US"/>
           </a:p>
@@ -5111,6 +5196,592 @@
           <a:p>
             <a:r>
               <a:rPr kumimoji="1" lang="zh-CN" altLang="en-US" sz="4800" spc="100" dirty="0">
+                <a:solidFill>
+                  <a:srgbClr val="C00000"/>
+                </a:solidFill>
+                <a:latin typeface="SimHei" panose="02010609060101010101" pitchFamily="49" charset="-122"/>
+                <a:ea typeface="SimHei" panose="02010609060101010101" pitchFamily="49" charset="-122"/>
+              </a:rPr>
+              <a:t>数据规模与复杂度</a:t>
+            </a:r>
+            <a:endParaRPr kumimoji="1" lang="en-US" altLang="zh-CN" sz="4800" spc="100" dirty="0">
+              <a:solidFill>
+                <a:srgbClr val="C00000"/>
+              </a:solidFill>
+              <a:latin typeface="SimHei" panose="02010609060101010101" pitchFamily="49" charset="-122"/>
+              <a:ea typeface="SimHei" panose="02010609060101010101" pitchFamily="49" charset="-122"/>
+            </a:endParaRPr>
+          </a:p>
+        </p:txBody>
+      </p:sp>
+      <p:sp>
+        <p:nvSpPr>
+          <p:cNvPr id="4" name="文本框 3">
+            <a:extLst>
+              <a:ext uri="{FF2B5EF4-FFF2-40B4-BE49-F238E27FC236}">
+                <a16:creationId xmlns:a16="http://schemas.microsoft.com/office/drawing/2014/main" id="{C1101999-9950-024D-A4F2-9C528741D30F}"/>
+              </a:ext>
+            </a:extLst>
+          </p:cNvPr>
+          <p:cNvSpPr txBox="1"/>
+          <p:nvPr/>
+        </p:nvSpPr>
+        <p:spPr>
+          <a:xfrm>
+            <a:off x="585183" y="1692699"/>
+            <a:ext cx="5296643" cy="584775"/>
+          </a:xfrm>
+          <a:prstGeom prst="rect">
+            <a:avLst/>
+          </a:prstGeom>
+          <a:noFill/>
+        </p:spPr>
+        <p:txBody>
+          <a:bodyPr wrap="none" rtlCol="0">
+            <a:spAutoFit/>
+          </a:bodyPr>
+          <a:lstStyle/>
+          <a:p>
+            <a:r>
+              <a:rPr kumimoji="1" lang="zh-CN" altLang="en-US" sz="3200" spc="100" dirty="0">
+                <a:latin typeface="Microsoft YaHei" panose="020B0503020204020204" pitchFamily="34" charset="-122"/>
+                <a:ea typeface="Microsoft YaHei" panose="020B0503020204020204" pitchFamily="34" charset="-122"/>
+              </a:rPr>
+              <a:t>如果想要在</a:t>
+            </a:r>
+            <a:r>
+              <a:rPr kumimoji="1" lang="en-US" altLang="zh-CN" sz="3200" spc="100" dirty="0">
+                <a:latin typeface="Microsoft YaHei" panose="020B0503020204020204" pitchFamily="34" charset="-122"/>
+                <a:ea typeface="Microsoft YaHei" panose="020B0503020204020204" pitchFamily="34" charset="-122"/>
+              </a:rPr>
+              <a:t>1s</a:t>
+            </a:r>
+            <a:r>
+              <a:rPr kumimoji="1" lang="zh-CN" altLang="en-US" sz="3200" spc="100" dirty="0">
+                <a:latin typeface="Microsoft YaHei" panose="020B0503020204020204" pitchFamily="34" charset="-122"/>
+                <a:ea typeface="Microsoft YaHei" panose="020B0503020204020204" pitchFamily="34" charset="-122"/>
+              </a:rPr>
+              <a:t>内解决问题：</a:t>
+            </a:r>
+            <a:endParaRPr kumimoji="1" lang="en-US" altLang="zh-CN" sz="3200" spc="100" dirty="0">
+              <a:latin typeface="Microsoft YaHei" panose="020B0503020204020204" pitchFamily="34" charset="-122"/>
+              <a:ea typeface="Microsoft YaHei" panose="020B0503020204020204" pitchFamily="34" charset="-122"/>
+            </a:endParaRPr>
+          </a:p>
+        </p:txBody>
+      </p:sp>
+      <p:graphicFrame>
+        <p:nvGraphicFramePr>
+          <p:cNvPr id="3" name="表格 2">
+            <a:extLst>
+              <a:ext uri="{FF2B5EF4-FFF2-40B4-BE49-F238E27FC236}">
+                <a16:creationId xmlns:a16="http://schemas.microsoft.com/office/drawing/2014/main" id="{8EAB7AA5-7A03-6048-B4D0-D516C5772B97}"/>
+              </a:ext>
+            </a:extLst>
+          </p:cNvPr>
+          <p:cNvGraphicFramePr>
+            <a:graphicFrameLocks noGrp="1"/>
+          </p:cNvGraphicFramePr>
+          <p:nvPr>
+            <p:extLst>
+              <p:ext uri="{D42A27DB-BD31-4B8C-83A1-F6EECF244321}">
+                <p14:modId xmlns:p14="http://schemas.microsoft.com/office/powerpoint/2010/main" val="2830261982"/>
+              </p:ext>
+            </p:extLst>
+          </p:nvPr>
+        </p:nvGraphicFramePr>
+        <p:xfrm>
+          <a:off x="3350155" y="2793220"/>
+          <a:ext cx="5418666" cy="2072640"/>
+        </p:xfrm>
+        <a:graphic>
+          <a:graphicData uri="http://schemas.openxmlformats.org/drawingml/2006/table">
+            <a:tbl>
+              <a:tblPr firstRow="1" bandRow="1">
+                <a:tableStyleId>{5940675A-B579-460E-94D1-54222C63F5DA}</a:tableStyleId>
+              </a:tblPr>
+              <a:tblGrid>
+                <a:gridCol w="2709333">
+                  <a:extLst>
+                    <a:ext uri="{9D8B030D-6E8A-4147-A177-3AD203B41FA5}">
+                      <a16:colId xmlns:a16="http://schemas.microsoft.com/office/drawing/2014/main" val="278249148"/>
+                    </a:ext>
+                  </a:extLst>
+                </a:gridCol>
+                <a:gridCol w="2709333">
+                  <a:extLst>
+                    <a:ext uri="{9D8B030D-6E8A-4147-A177-3AD203B41FA5}">
+                      <a16:colId xmlns:a16="http://schemas.microsoft.com/office/drawing/2014/main" val="1507907497"/>
+                    </a:ext>
+                  </a:extLst>
+                </a:gridCol>
+              </a:tblGrid>
+              <a:tr h="0">
+                <a:tc>
+                  <a:txBody>
+                    <a:bodyPr/>
+                    <a:lstStyle/>
+                    <a:p>
+                      <a:pPr algn="ctr"/>
+                      <a:r>
+                        <a:rPr lang="zh-CN" altLang="en-US" sz="2800" b="0" i="0" dirty="0">
+                          <a:latin typeface="Microsoft YaHei" panose="020B0503020204020204" pitchFamily="34" charset="-122"/>
+                          <a:ea typeface="Microsoft YaHei" panose="020B0503020204020204" pitchFamily="34" charset="-122"/>
+                        </a:rPr>
+                        <a:t>数据规模</a:t>
+                      </a:r>
+                    </a:p>
+                  </a:txBody>
+                  <a:tcPr>
+                    <a:lnL w="12700" cmpd="sng">
+                      <a:noFill/>
+                    </a:lnL>
+                    <a:lnR w="12700" cmpd="sng">
+                      <a:noFill/>
+                    </a:lnR>
+                    <a:lnT w="12700" cmpd="sng">
+                      <a:noFill/>
+                    </a:lnT>
+                    <a:lnB w="12700" cap="flat" cmpd="sng" algn="ctr">
+                      <a:solidFill>
+                        <a:schemeClr val="tx1"/>
+                      </a:solidFill>
+                      <a:prstDash val="solid"/>
+                      <a:round/>
+                      <a:headEnd type="none" w="med" len="med"/>
+                      <a:tailEnd type="none" w="med" len="med"/>
+                    </a:lnB>
+                    <a:lnTlToBr w="12700" cmpd="sng">
+                      <a:noFill/>
+                      <a:prstDash val="solid"/>
+                    </a:lnTlToBr>
+                    <a:lnBlToTr w="12700" cmpd="sng">
+                      <a:noFill/>
+                      <a:prstDash val="solid"/>
+                    </a:lnBlToTr>
+                  </a:tcPr>
+                </a:tc>
+                <a:tc>
+                  <a:txBody>
+                    <a:bodyPr/>
+                    <a:lstStyle/>
+                    <a:p>
+                      <a:pPr algn="ctr"/>
+                      <a:r>
+                        <a:rPr lang="zh-CN" altLang="en-US" sz="2800" b="0" i="0" dirty="0">
+                          <a:latin typeface="Microsoft YaHei" panose="020B0503020204020204" pitchFamily="34" charset="-122"/>
+                          <a:ea typeface="Microsoft YaHei" panose="020B0503020204020204" pitchFamily="34" charset="-122"/>
+                        </a:rPr>
+                        <a:t>算法复杂度</a:t>
+                      </a:r>
+                    </a:p>
+                  </a:txBody>
+                  <a:tcPr>
+                    <a:lnL w="12700" cmpd="sng">
+                      <a:noFill/>
+                    </a:lnL>
+                    <a:lnR w="12700" cmpd="sng">
+                      <a:noFill/>
+                    </a:lnR>
+                    <a:lnT w="12700" cmpd="sng">
+                      <a:noFill/>
+                    </a:lnT>
+                    <a:lnB w="12700" cap="flat" cmpd="sng" algn="ctr">
+                      <a:solidFill>
+                        <a:schemeClr val="tx1"/>
+                      </a:solidFill>
+                      <a:prstDash val="solid"/>
+                      <a:round/>
+                      <a:headEnd type="none" w="med" len="med"/>
+                      <a:tailEnd type="none" w="med" len="med"/>
+                    </a:lnB>
+                    <a:lnTlToBr w="12700" cmpd="sng">
+                      <a:noFill/>
+                      <a:prstDash val="solid"/>
+                    </a:lnTlToBr>
+                    <a:lnBlToTr w="12700" cmpd="sng">
+                      <a:noFill/>
+                      <a:prstDash val="solid"/>
+                    </a:lnBlToTr>
+                  </a:tcPr>
+                </a:tc>
+                <a:extLst>
+                  <a:ext uri="{0D108BD9-81ED-4DB2-BD59-A6C34878D82A}">
+                    <a16:rowId xmlns:a16="http://schemas.microsoft.com/office/drawing/2014/main" val="1773591746"/>
+                  </a:ext>
+                </a:extLst>
+              </a:tr>
+              <a:tr h="370840">
+                <a:tc>
+                  <a:txBody>
+                    <a:bodyPr/>
+                    <a:lstStyle/>
+                    <a:p>
+                      <a:pPr algn="ctr"/>
+                      <a:r>
+                        <a:rPr lang="en-US" altLang="zh-CN" sz="2800" b="0" i="0" dirty="0">
+                          <a:latin typeface="Microsoft YaHei" panose="020B0503020204020204" pitchFamily="34" charset="-122"/>
+                          <a:ea typeface="Microsoft YaHei" panose="020B0503020204020204" pitchFamily="34" charset="-122"/>
+                        </a:rPr>
+                        <a:t>10^4</a:t>
+                      </a:r>
+                      <a:endParaRPr lang="zh-CN" altLang="en-US" sz="2800" b="0" i="0" dirty="0">
+                        <a:latin typeface="Microsoft YaHei" panose="020B0503020204020204" pitchFamily="34" charset="-122"/>
+                        <a:ea typeface="Microsoft YaHei" panose="020B0503020204020204" pitchFamily="34" charset="-122"/>
+                      </a:endParaRPr>
+                    </a:p>
+                  </a:txBody>
+                  <a:tcPr>
+                    <a:lnL w="12700" cmpd="sng">
+                      <a:noFill/>
+                    </a:lnL>
+                    <a:lnR w="12700" cmpd="sng">
+                      <a:noFill/>
+                    </a:lnR>
+                    <a:lnT w="12700" cap="flat" cmpd="sng" algn="ctr">
+                      <a:solidFill>
+                        <a:schemeClr val="tx1"/>
+                      </a:solidFill>
+                      <a:prstDash val="solid"/>
+                      <a:round/>
+                      <a:headEnd type="none" w="med" len="med"/>
+                      <a:tailEnd type="none" w="med" len="med"/>
+                    </a:lnT>
+                    <a:lnB w="12700" cmpd="sng">
+                      <a:noFill/>
+                    </a:lnB>
+                    <a:lnTlToBr w="12700" cmpd="sng">
+                      <a:noFill/>
+                      <a:prstDash val="solid"/>
+                    </a:lnTlToBr>
+                    <a:lnBlToTr w="12700" cmpd="sng">
+                      <a:noFill/>
+                      <a:prstDash val="solid"/>
+                    </a:lnBlToTr>
+                  </a:tcPr>
+                </a:tc>
+                <a:tc>
+                  <a:txBody>
+                    <a:bodyPr/>
+                    <a:lstStyle/>
+                    <a:p>
+                      <a:pPr algn="ctr"/>
+                      <a:r>
+                        <a:rPr lang="en-US" altLang="zh-CN" sz="2800" b="0" i="0" dirty="0">
+                          <a:latin typeface="Microsoft YaHei" panose="020B0503020204020204" pitchFamily="34" charset="-122"/>
+                          <a:ea typeface="Microsoft YaHei" panose="020B0503020204020204" pitchFamily="34" charset="-122"/>
+                        </a:rPr>
+                        <a:t>O(n^2)</a:t>
+                      </a:r>
+                      <a:endParaRPr lang="zh-CN" altLang="en-US" sz="2800" b="0" i="0" dirty="0">
+                        <a:latin typeface="Microsoft YaHei" panose="020B0503020204020204" pitchFamily="34" charset="-122"/>
+                        <a:ea typeface="Microsoft YaHei" panose="020B0503020204020204" pitchFamily="34" charset="-122"/>
+                      </a:endParaRPr>
+                    </a:p>
+                  </a:txBody>
+                  <a:tcPr>
+                    <a:lnL w="12700" cmpd="sng">
+                      <a:noFill/>
+                    </a:lnL>
+                    <a:lnR w="12700" cmpd="sng">
+                      <a:noFill/>
+                    </a:lnR>
+                    <a:lnT w="12700" cap="flat" cmpd="sng" algn="ctr">
+                      <a:solidFill>
+                        <a:schemeClr val="tx1"/>
+                      </a:solidFill>
+                      <a:prstDash val="solid"/>
+                      <a:round/>
+                      <a:headEnd type="none" w="med" len="med"/>
+                      <a:tailEnd type="none" w="med" len="med"/>
+                    </a:lnT>
+                    <a:lnB w="12700" cmpd="sng">
+                      <a:noFill/>
+                    </a:lnB>
+                    <a:lnTlToBr w="12700" cmpd="sng">
+                      <a:noFill/>
+                      <a:prstDash val="solid"/>
+                    </a:lnTlToBr>
+                    <a:lnBlToTr w="12700" cmpd="sng">
+                      <a:noFill/>
+                      <a:prstDash val="solid"/>
+                    </a:lnBlToTr>
+                  </a:tcPr>
+                </a:tc>
+                <a:extLst>
+                  <a:ext uri="{0D108BD9-81ED-4DB2-BD59-A6C34878D82A}">
+                    <a16:rowId xmlns:a16="http://schemas.microsoft.com/office/drawing/2014/main" val="3556095161"/>
+                  </a:ext>
+                </a:extLst>
+              </a:tr>
+              <a:tr h="370840">
+                <a:tc>
+                  <a:txBody>
+                    <a:bodyPr/>
+                    <a:lstStyle/>
+                    <a:p>
+                      <a:pPr algn="ctr"/>
+                      <a:r>
+                        <a:rPr lang="en-US" altLang="zh-CN" sz="2800" b="0" i="0" dirty="0">
+                          <a:latin typeface="Microsoft YaHei" panose="020B0503020204020204" pitchFamily="34" charset="-122"/>
+                          <a:ea typeface="Microsoft YaHei" panose="020B0503020204020204" pitchFamily="34" charset="-122"/>
+                        </a:rPr>
+                        <a:t>10^7</a:t>
+                      </a:r>
+                      <a:endParaRPr lang="zh-CN" altLang="en-US" sz="2800" b="0" i="0" dirty="0">
+                        <a:latin typeface="Microsoft YaHei" panose="020B0503020204020204" pitchFamily="34" charset="-122"/>
+                        <a:ea typeface="Microsoft YaHei" panose="020B0503020204020204" pitchFamily="34" charset="-122"/>
+                      </a:endParaRPr>
+                    </a:p>
+                  </a:txBody>
+                  <a:tcPr>
+                    <a:lnL w="12700" cmpd="sng">
+                      <a:noFill/>
+                    </a:lnL>
+                    <a:lnR w="12700" cmpd="sng">
+                      <a:noFill/>
+                    </a:lnR>
+                    <a:lnT w="12700" cmpd="sng">
+                      <a:noFill/>
+                    </a:lnT>
+                    <a:lnB w="12700" cmpd="sng">
+                      <a:noFill/>
+                    </a:lnB>
+                    <a:lnTlToBr w="12700" cmpd="sng">
+                      <a:noFill/>
+                      <a:prstDash val="solid"/>
+                    </a:lnTlToBr>
+                    <a:lnBlToTr w="12700" cmpd="sng">
+                      <a:noFill/>
+                      <a:prstDash val="solid"/>
+                    </a:lnBlToTr>
+                  </a:tcPr>
+                </a:tc>
+                <a:tc>
+                  <a:txBody>
+                    <a:bodyPr/>
+                    <a:lstStyle/>
+                    <a:p>
+                      <a:pPr algn="ctr"/>
+                      <a:r>
+                        <a:rPr lang="en-US" altLang="zh-CN" sz="2800" b="0" i="0" dirty="0">
+                          <a:latin typeface="Microsoft YaHei" panose="020B0503020204020204" pitchFamily="34" charset="-122"/>
+                          <a:ea typeface="Microsoft YaHei" panose="020B0503020204020204" pitchFamily="34" charset="-122"/>
+                        </a:rPr>
+                        <a:t>O(</a:t>
+                      </a:r>
+                      <a:r>
+                        <a:rPr lang="en-US" altLang="zh-CN" sz="2800" b="0" i="0" dirty="0" err="1">
+                          <a:latin typeface="Microsoft YaHei" panose="020B0503020204020204" pitchFamily="34" charset="-122"/>
+                          <a:ea typeface="Microsoft YaHei" panose="020B0503020204020204" pitchFamily="34" charset="-122"/>
+                        </a:rPr>
+                        <a:t>nlogn</a:t>
+                      </a:r>
+                      <a:r>
+                        <a:rPr lang="en-US" altLang="zh-CN" sz="2800" b="0" i="0" dirty="0">
+                          <a:latin typeface="Microsoft YaHei" panose="020B0503020204020204" pitchFamily="34" charset="-122"/>
+                          <a:ea typeface="Microsoft YaHei" panose="020B0503020204020204" pitchFamily="34" charset="-122"/>
+                        </a:rPr>
+                        <a:t>)</a:t>
+                      </a:r>
+                      <a:endParaRPr lang="zh-CN" altLang="en-US" sz="2800" b="0" i="0" dirty="0">
+                        <a:latin typeface="Microsoft YaHei" panose="020B0503020204020204" pitchFamily="34" charset="-122"/>
+                        <a:ea typeface="Microsoft YaHei" panose="020B0503020204020204" pitchFamily="34" charset="-122"/>
+                      </a:endParaRPr>
+                    </a:p>
+                  </a:txBody>
+                  <a:tcPr>
+                    <a:lnL w="12700" cmpd="sng">
+                      <a:noFill/>
+                    </a:lnL>
+                    <a:lnR w="12700" cmpd="sng">
+                      <a:noFill/>
+                    </a:lnR>
+                    <a:lnT w="12700" cmpd="sng">
+                      <a:noFill/>
+                    </a:lnT>
+                    <a:lnB w="12700" cmpd="sng">
+                      <a:noFill/>
+                    </a:lnB>
+                    <a:lnTlToBr w="12700" cmpd="sng">
+                      <a:noFill/>
+                      <a:prstDash val="solid"/>
+                    </a:lnTlToBr>
+                    <a:lnBlToTr w="12700" cmpd="sng">
+                      <a:noFill/>
+                      <a:prstDash val="solid"/>
+                    </a:lnBlToTr>
+                  </a:tcPr>
+                </a:tc>
+                <a:extLst>
+                  <a:ext uri="{0D108BD9-81ED-4DB2-BD59-A6C34878D82A}">
+                    <a16:rowId xmlns:a16="http://schemas.microsoft.com/office/drawing/2014/main" val="1302961439"/>
+                  </a:ext>
+                </a:extLst>
+              </a:tr>
+              <a:tr h="370840">
+                <a:tc>
+                  <a:txBody>
+                    <a:bodyPr/>
+                    <a:lstStyle/>
+                    <a:p>
+                      <a:pPr algn="ctr"/>
+                      <a:r>
+                        <a:rPr lang="en-US" altLang="zh-CN" sz="2800" b="0" i="0" dirty="0">
+                          <a:latin typeface="Microsoft YaHei" panose="020B0503020204020204" pitchFamily="34" charset="-122"/>
+                          <a:ea typeface="Microsoft YaHei" panose="020B0503020204020204" pitchFamily="34" charset="-122"/>
+                        </a:rPr>
+                        <a:t>10^8</a:t>
+                      </a:r>
+                      <a:endParaRPr lang="zh-CN" altLang="en-US" sz="2800" b="0" i="0" dirty="0">
+                        <a:latin typeface="Microsoft YaHei" panose="020B0503020204020204" pitchFamily="34" charset="-122"/>
+                        <a:ea typeface="Microsoft YaHei" panose="020B0503020204020204" pitchFamily="34" charset="-122"/>
+                      </a:endParaRPr>
+                    </a:p>
+                  </a:txBody>
+                  <a:tcPr>
+                    <a:lnL w="12700" cmpd="sng">
+                      <a:noFill/>
+                    </a:lnL>
+                    <a:lnR w="12700" cmpd="sng">
+                      <a:noFill/>
+                    </a:lnR>
+                    <a:lnT w="12700" cmpd="sng">
+                      <a:noFill/>
+                    </a:lnT>
+                    <a:lnB w="12700" cmpd="sng">
+                      <a:noFill/>
+                    </a:lnB>
+                    <a:lnTlToBr w="12700" cmpd="sng">
+                      <a:noFill/>
+                      <a:prstDash val="solid"/>
+                    </a:lnTlToBr>
+                    <a:lnBlToTr w="12700" cmpd="sng">
+                      <a:noFill/>
+                      <a:prstDash val="solid"/>
+                    </a:lnBlToTr>
+                  </a:tcPr>
+                </a:tc>
+                <a:tc>
+                  <a:txBody>
+                    <a:bodyPr/>
+                    <a:lstStyle/>
+                    <a:p>
+                      <a:pPr algn="ctr"/>
+                      <a:r>
+                        <a:rPr lang="en-US" altLang="zh-CN" sz="2800" b="0" i="0" dirty="0">
+                          <a:latin typeface="Microsoft YaHei" panose="020B0503020204020204" pitchFamily="34" charset="-122"/>
+                          <a:ea typeface="Microsoft YaHei" panose="020B0503020204020204" pitchFamily="34" charset="-122"/>
+                        </a:rPr>
+                        <a:t>O(n)</a:t>
+                      </a:r>
+                      <a:endParaRPr lang="zh-CN" altLang="en-US" sz="2800" b="0" i="0" dirty="0">
+                        <a:latin typeface="Microsoft YaHei" panose="020B0503020204020204" pitchFamily="34" charset="-122"/>
+                        <a:ea typeface="Microsoft YaHei" panose="020B0503020204020204" pitchFamily="34" charset="-122"/>
+                      </a:endParaRPr>
+                    </a:p>
+                  </a:txBody>
+                  <a:tcPr>
+                    <a:lnL w="12700" cmpd="sng">
+                      <a:noFill/>
+                    </a:lnL>
+                    <a:lnR w="12700" cmpd="sng">
+                      <a:noFill/>
+                    </a:lnR>
+                    <a:lnT w="12700" cmpd="sng">
+                      <a:noFill/>
+                    </a:lnT>
+                    <a:lnB w="12700" cmpd="sng">
+                      <a:noFill/>
+                    </a:lnB>
+                    <a:lnTlToBr w="12700" cmpd="sng">
+                      <a:noFill/>
+                      <a:prstDash val="solid"/>
+                    </a:lnTlToBr>
+                    <a:lnBlToTr w="12700" cmpd="sng">
+                      <a:noFill/>
+                      <a:prstDash val="solid"/>
+                    </a:lnBlToTr>
+                  </a:tcPr>
+                </a:tc>
+                <a:extLst>
+                  <a:ext uri="{0D108BD9-81ED-4DB2-BD59-A6C34878D82A}">
+                    <a16:rowId xmlns:a16="http://schemas.microsoft.com/office/drawing/2014/main" val="3310348092"/>
+                  </a:ext>
+                </a:extLst>
+              </a:tr>
+            </a:tbl>
+          </a:graphicData>
+        </a:graphic>
+      </p:graphicFrame>
+    </p:spTree>
+    <p:extLst>
+      <p:ext uri="{BB962C8B-B14F-4D97-AF65-F5344CB8AC3E}">
+        <p14:creationId xmlns:p14="http://schemas.microsoft.com/office/powerpoint/2010/main" val="1361712618"/>
+      </p:ext>
+    </p:extLst>
+  </p:cSld>
+  <p:clrMapOvr>
+    <a:masterClrMapping/>
+  </p:clrMapOvr>
+  <mc:AlternateContent xmlns:mc="http://schemas.openxmlformats.org/markup-compatibility/2006" xmlns:p14="http://schemas.microsoft.com/office/powerpoint/2010/main">
+    <mc:Choice Requires="p14">
+      <p:transition spd="slow" p14:dur="2000" advTm="201"/>
+    </mc:Choice>
+    <mc:Fallback xmlns="">
+      <p:transition spd="slow" advTm="201"/>
+    </mc:Fallback>
+  </mc:AlternateContent>
+</p:sld>
+</file>
+
+<file path=ppt/slides/slide17.xml><?xml version="1.0" encoding="utf-8"?>
+<p:sld xmlns:a="http://schemas.openxmlformats.org/drawingml/2006/main" xmlns:r="http://schemas.openxmlformats.org/officeDocument/2006/relationships" xmlns:p="http://schemas.openxmlformats.org/presentationml/2006/main">
+  <p:cSld>
+    <p:spTree>
+      <p:nvGrpSpPr>
+        <p:cNvPr id="1" name=""/>
+        <p:cNvGrpSpPr/>
+        <p:nvPr/>
+      </p:nvGrpSpPr>
+      <p:grpSpPr>
+        <a:xfrm>
+          <a:off x="0" y="0"/>
+          <a:ext cx="0" cy="0"/>
+          <a:chOff x="0" y="0"/>
+          <a:chExt cx="0" cy="0"/>
+        </a:xfrm>
+      </p:grpSpPr>
+      <p:sp>
+        <p:nvSpPr>
+          <p:cNvPr id="2" name="文本框 1">
+            <a:extLst>
+              <a:ext uri="{FF2B5EF4-FFF2-40B4-BE49-F238E27FC236}">
+                <a16:creationId xmlns:a16="http://schemas.microsoft.com/office/drawing/2014/main" id="{5398C295-94BD-1248-A837-30EECA61E065}"/>
+              </a:ext>
+            </a:extLst>
+          </p:cNvPr>
+          <p:cNvSpPr txBox="1"/>
+          <p:nvPr/>
+        </p:nvSpPr>
+        <p:spPr>
+          <a:xfrm>
+            <a:off x="585183" y="345956"/>
+            <a:ext cx="6419774" cy="830997"/>
+          </a:xfrm>
+          <a:prstGeom prst="rect">
+            <a:avLst/>
+          </a:prstGeom>
+          <a:noFill/>
+        </p:spPr>
+        <p:txBody>
+          <a:bodyPr wrap="square" rtlCol="0">
+            <a:spAutoFit/>
+          </a:bodyPr>
+          <a:lstStyle/>
+          <a:p>
+            <a:r>
+              <a:rPr kumimoji="1" lang="zh-CN" altLang="en-US" sz="4800" spc="100" dirty="0">
                 <a:latin typeface="SimHei" panose="02010609060101010101" pitchFamily="49" charset="-122"/>
                 <a:ea typeface="SimHei" panose="02010609060101010101" pitchFamily="49" charset="-122"/>
               </a:rPr>
@@ -5227,7 +5898,7 @@
 </p:sld>
 </file>
 
-<file path=ppt/slides/slide17.xml><?xml version="1.0" encoding="utf-8"?>
+<file path=ppt/slides/slide18.xml><?xml version="1.0" encoding="utf-8"?>
 <p:sld xmlns:a="http://schemas.openxmlformats.org/drawingml/2006/main" xmlns:r="http://schemas.openxmlformats.org/officeDocument/2006/relationships" xmlns:p="http://schemas.openxmlformats.org/presentationml/2006/main">
   <p:cSld>
     <p:spTree>
